--- a/doc/Webアプリ成果発表.pptx
+++ b/doc/Webアプリ成果発表.pptx
@@ -12,11 +12,12 @@
     <p:sldId id="260" r:id="rId6"/>
     <p:sldId id="261" r:id="rId7"/>
     <p:sldId id="262" r:id="rId8"/>
-    <p:sldId id="263" r:id="rId9"/>
-    <p:sldId id="264" r:id="rId10"/>
-    <p:sldId id="265" r:id="rId11"/>
-    <p:sldId id="266" r:id="rId12"/>
-    <p:sldId id="267" r:id="rId13"/>
+    <p:sldId id="268" r:id="rId9"/>
+    <p:sldId id="263" r:id="rId10"/>
+    <p:sldId id="264" r:id="rId11"/>
+    <p:sldId id="265" r:id="rId12"/>
+    <p:sldId id="266" r:id="rId13"/>
+    <p:sldId id="267" r:id="rId14"/>
   </p:sldIdLst>
   <p:sldSz cx="12192000" cy="6858000"/>
   <p:notesSz cx="6858000" cy="9144000"/>
@@ -121,6 +122,789 @@
     </p:ext>
   </p:extLst>
 </p:presentation>
+</file>
+
+<file path=ppt/charts/chart1.xml><?xml version="1.0" encoding="utf-8"?>
+<c:chartSpace xmlns:c="http://schemas.openxmlformats.org/drawingml/2006/chart" xmlns:a="http://schemas.openxmlformats.org/drawingml/2006/main" xmlns:r="http://schemas.openxmlformats.org/officeDocument/2006/relationships" xmlns:c16r2="http://schemas.microsoft.com/office/drawing/2015/06/chart">
+  <c:date1904 val="0"/>
+  <c:lang val="ja-JP"/>
+  <c:roundedCorners val="0"/>
+  <mc:AlternateContent xmlns:mc="http://schemas.openxmlformats.org/markup-compatibility/2006">
+    <mc:Choice xmlns:c14="http://schemas.microsoft.com/office/drawing/2007/8/2/chart" Requires="c14">
+      <c14:style val="102"/>
+    </mc:Choice>
+    <mc:Fallback>
+      <c:style val="2"/>
+    </mc:Fallback>
+  </mc:AlternateContent>
+  <c:chart>
+    <c:autoTitleDeleted val="1"/>
+    <c:plotArea>
+      <c:layout/>
+      <c:pieChart>
+        <c:varyColors val="1"/>
+        <c:ser>
+          <c:idx val="0"/>
+          <c:order val="0"/>
+          <c:tx>
+            <c:strRef>
+              <c:f>Sheet1!$B$1</c:f>
+              <c:strCache>
+                <c:ptCount val="1"/>
+                <c:pt idx="0">
+                  <c:v>売上高</c:v>
+                </c:pt>
+              </c:strCache>
+            </c:strRef>
+          </c:tx>
+          <c:dPt>
+            <c:idx val="0"/>
+            <c:bubble3D val="0"/>
+            <c:spPr>
+              <a:solidFill>
+                <a:schemeClr val="accent1"/>
+              </a:solidFill>
+              <a:ln w="19050">
+                <a:solidFill>
+                  <a:schemeClr val="lt1"/>
+                </a:solidFill>
+              </a:ln>
+              <a:effectLst/>
+            </c:spPr>
+          </c:dPt>
+          <c:dPt>
+            <c:idx val="1"/>
+            <c:bubble3D val="0"/>
+            <c:spPr>
+              <a:solidFill>
+                <a:schemeClr val="accent2"/>
+              </a:solidFill>
+              <a:ln w="19050">
+                <a:solidFill>
+                  <a:schemeClr val="lt1"/>
+                </a:solidFill>
+              </a:ln>
+              <a:effectLst/>
+            </c:spPr>
+          </c:dPt>
+          <c:dPt>
+            <c:idx val="2"/>
+            <c:bubble3D val="0"/>
+            <c:spPr>
+              <a:solidFill>
+                <a:schemeClr val="accent3"/>
+              </a:solidFill>
+              <a:ln w="19050">
+                <a:solidFill>
+                  <a:schemeClr val="lt1"/>
+                </a:solidFill>
+              </a:ln>
+              <a:effectLst/>
+            </c:spPr>
+          </c:dPt>
+          <c:dPt>
+            <c:idx val="3"/>
+            <c:bubble3D val="0"/>
+            <c:spPr>
+              <a:solidFill>
+                <a:schemeClr val="accent4"/>
+              </a:solidFill>
+              <a:ln w="19050">
+                <a:solidFill>
+                  <a:schemeClr val="lt1"/>
+                </a:solidFill>
+              </a:ln>
+              <a:effectLst/>
+            </c:spPr>
+          </c:dPt>
+          <c:cat>
+            <c:strRef>
+              <c:f>Sheet1!$A$2:$A$5</c:f>
+              <c:strCache>
+                <c:ptCount val="4"/>
+                <c:pt idx="0">
+                  <c:v>yasuo</c:v>
+                </c:pt>
+                <c:pt idx="1">
+                  <c:v>chuan</c:v>
+                </c:pt>
+                <c:pt idx="2">
+                  <c:v>guest1</c:v>
+                </c:pt>
+                <c:pt idx="3">
+                  <c:v>guest2</c:v>
+                </c:pt>
+              </c:strCache>
+            </c:strRef>
+          </c:cat>
+          <c:val>
+            <c:numRef>
+              <c:f>Sheet1!$B$2:$B$5</c:f>
+              <c:numCache>
+                <c:formatCode>General</c:formatCode>
+                <c:ptCount val="4"/>
+                <c:pt idx="0">
+                  <c:v>2</c:v>
+                </c:pt>
+                <c:pt idx="1">
+                  <c:v>3</c:v>
+                </c:pt>
+                <c:pt idx="2">
+                  <c:v>1</c:v>
+                </c:pt>
+                <c:pt idx="3">
+                  <c:v>2</c:v>
+                </c:pt>
+              </c:numCache>
+            </c:numRef>
+          </c:val>
+          <c:extLst>
+            <c:ext xmlns:c16="http://schemas.microsoft.com/office/drawing/2014/chart" uri="{C3380CC4-5D6E-409C-BE32-E72D297353CC}">
+              <c16:uniqueId val="{00000000-A130-4597-B48E-26C2996F25E1}"/>
+            </c:ext>
+          </c:extLst>
+        </c:ser>
+        <c:dLbls>
+          <c:showLegendKey val="0"/>
+          <c:showVal val="0"/>
+          <c:showCatName val="0"/>
+          <c:showSerName val="0"/>
+          <c:showPercent val="0"/>
+          <c:showBubbleSize val="0"/>
+          <c:showLeaderLines val="1"/>
+        </c:dLbls>
+        <c:firstSliceAng val="0"/>
+      </c:pieChart>
+      <c:spPr>
+        <a:noFill/>
+        <a:ln>
+          <a:noFill/>
+        </a:ln>
+        <a:effectLst/>
+      </c:spPr>
+    </c:plotArea>
+    <c:legend>
+      <c:legendPos val="l"/>
+      <c:overlay val="0"/>
+      <c:spPr>
+        <a:noFill/>
+        <a:ln>
+          <a:noFill/>
+        </a:ln>
+        <a:effectLst/>
+      </c:spPr>
+      <c:txPr>
+        <a:bodyPr rot="0" spcFirstLastPara="1" vertOverflow="ellipsis" vert="horz" wrap="square" anchor="ctr" anchorCtr="1"/>
+        <a:lstStyle/>
+        <a:p>
+          <a:pPr>
+            <a:defRPr sz="500" b="0" i="0" u="none" strike="noStrike" kern="1200" baseline="0">
+              <a:solidFill>
+                <a:schemeClr val="tx1">
+                  <a:lumMod val="65000"/>
+                  <a:lumOff val="35000"/>
+                </a:schemeClr>
+              </a:solidFill>
+              <a:latin typeface="+mn-lt"/>
+              <a:ea typeface="+mn-ea"/>
+              <a:cs typeface="+mn-cs"/>
+            </a:defRPr>
+          </a:pPr>
+          <a:endParaRPr lang="ja-JP"/>
+        </a:p>
+      </c:txPr>
+    </c:legend>
+    <c:plotVisOnly val="1"/>
+    <c:dispBlanksAs val="gap"/>
+    <c:extLst>
+      <c:ext xmlns:c16r3="http://schemas.microsoft.com/office/drawing/2017/03/chart" uri="{56B9EC1D-385E-4148-901F-78D8002777C0}">
+        <c16r3:dataDisplayOptions16>
+          <c16r3:dispNaAsBlank val="1"/>
+        </c16r3:dataDisplayOptions16>
+      </c:ext>
+    </c:extLst>
+    <c:showDLblsOverMax val="0"/>
+  </c:chart>
+  <c:spPr>
+    <a:noFill/>
+    <a:ln>
+      <a:noFill/>
+    </a:ln>
+    <a:effectLst/>
+  </c:spPr>
+  <c:txPr>
+    <a:bodyPr/>
+    <a:lstStyle/>
+    <a:p>
+      <a:pPr>
+        <a:defRPr/>
+      </a:pPr>
+      <a:endParaRPr lang="ja-JP"/>
+    </a:p>
+  </c:txPr>
+  <c:externalData r:id="rId3">
+    <c:autoUpdate val="0"/>
+  </c:externalData>
+</c:chartSpace>
+</file>
+
+<file path=ppt/charts/colors1.xml><?xml version="1.0" encoding="utf-8"?>
+<cs:colorStyle xmlns:cs="http://schemas.microsoft.com/office/drawing/2012/chartStyle" xmlns:a="http://schemas.openxmlformats.org/drawingml/2006/main" meth="cycle" id="10">
+  <a:schemeClr val="accent1"/>
+  <a:schemeClr val="accent2"/>
+  <a:schemeClr val="accent3"/>
+  <a:schemeClr val="accent4"/>
+  <a:schemeClr val="accent5"/>
+  <a:schemeClr val="accent6"/>
+  <cs:variation/>
+  <cs:variation>
+    <a:lumMod val="60000"/>
+  </cs:variation>
+  <cs:variation>
+    <a:lumMod val="80000"/>
+    <a:lumOff val="20000"/>
+  </cs:variation>
+  <cs:variation>
+    <a:lumMod val="80000"/>
+  </cs:variation>
+  <cs:variation>
+    <a:lumMod val="60000"/>
+    <a:lumOff val="40000"/>
+  </cs:variation>
+  <cs:variation>
+    <a:lumMod val="50000"/>
+  </cs:variation>
+  <cs:variation>
+    <a:lumMod val="70000"/>
+    <a:lumOff val="30000"/>
+  </cs:variation>
+  <cs:variation>
+    <a:lumMod val="70000"/>
+  </cs:variation>
+  <cs:variation>
+    <a:lumMod val="50000"/>
+    <a:lumOff val="50000"/>
+  </cs:variation>
+</cs:colorStyle>
+</file>
+
+<file path=ppt/charts/style1.xml><?xml version="1.0" encoding="utf-8"?>
+<cs:chartStyle xmlns:cs="http://schemas.microsoft.com/office/drawing/2012/chartStyle" xmlns:a="http://schemas.openxmlformats.org/drawingml/2006/main" id="251">
+  <cs:axisTitle>
+    <cs:lnRef idx="0"/>
+    <cs:fillRef idx="0"/>
+    <cs:effectRef idx="0"/>
+    <cs:fontRef idx="minor">
+      <a:schemeClr val="tx1">
+        <a:lumMod val="65000"/>
+        <a:lumOff val="35000"/>
+      </a:schemeClr>
+    </cs:fontRef>
+    <cs:defRPr sz="1330" kern="1200"/>
+  </cs:axisTitle>
+  <cs:categoryAxis>
+    <cs:lnRef idx="0"/>
+    <cs:fillRef idx="0"/>
+    <cs:effectRef idx="0"/>
+    <cs:fontRef idx="minor">
+      <a:schemeClr val="tx1">
+        <a:lumMod val="65000"/>
+        <a:lumOff val="35000"/>
+      </a:schemeClr>
+    </cs:fontRef>
+    <cs:spPr>
+      <a:ln w="9525" cap="flat" cmpd="sng" algn="ctr">
+        <a:solidFill>
+          <a:schemeClr val="tx1">
+            <a:lumMod val="15000"/>
+            <a:lumOff val="85000"/>
+          </a:schemeClr>
+        </a:solidFill>
+        <a:round/>
+      </a:ln>
+    </cs:spPr>
+    <cs:defRPr sz="1197" kern="1200"/>
+  </cs:categoryAxis>
+  <cs:chartArea mods="allowNoFillOverride allowNoLineOverride">
+    <cs:lnRef idx="0"/>
+    <cs:fillRef idx="0"/>
+    <cs:effectRef idx="0"/>
+    <cs:fontRef idx="minor">
+      <a:schemeClr val="tx1"/>
+    </cs:fontRef>
+    <cs:spPr>
+      <a:solidFill>
+        <a:schemeClr val="bg1"/>
+      </a:solidFill>
+      <a:ln w="9525" cap="flat" cmpd="sng" algn="ctr">
+        <a:solidFill>
+          <a:schemeClr val="tx1">
+            <a:lumMod val="15000"/>
+            <a:lumOff val="85000"/>
+          </a:schemeClr>
+        </a:solidFill>
+        <a:round/>
+      </a:ln>
+    </cs:spPr>
+    <cs:defRPr sz="1197" kern="1200"/>
+  </cs:chartArea>
+  <cs:dataLabel>
+    <cs:lnRef idx="0"/>
+    <cs:fillRef idx="0"/>
+    <cs:effectRef idx="0"/>
+    <cs:fontRef idx="minor">
+      <a:schemeClr val="tx1">
+        <a:lumMod val="75000"/>
+        <a:lumOff val="25000"/>
+      </a:schemeClr>
+    </cs:fontRef>
+    <cs:defRPr sz="1197" kern="1200"/>
+  </cs:dataLabel>
+  <cs:dataLabelCallout>
+    <cs:lnRef idx="0"/>
+    <cs:fillRef idx="0"/>
+    <cs:effectRef idx="0"/>
+    <cs:fontRef idx="minor">
+      <a:schemeClr val="dk1">
+        <a:lumMod val="65000"/>
+        <a:lumOff val="35000"/>
+      </a:schemeClr>
+    </cs:fontRef>
+    <cs:spPr>
+      <a:solidFill>
+        <a:schemeClr val="lt1"/>
+      </a:solidFill>
+      <a:ln>
+        <a:solidFill>
+          <a:schemeClr val="dk1">
+            <a:lumMod val="25000"/>
+            <a:lumOff val="75000"/>
+          </a:schemeClr>
+        </a:solidFill>
+      </a:ln>
+    </cs:spPr>
+    <cs:defRPr sz="1197" kern="1200"/>
+    <cs:bodyPr rot="0" spcFirstLastPara="1" vertOverflow="clip" horzOverflow="clip" vert="horz" wrap="square" lIns="36576" tIns="18288" rIns="36576" bIns="18288" anchor="ctr" anchorCtr="1">
+      <a:spAutoFit/>
+    </cs:bodyPr>
+  </cs:dataLabelCallout>
+  <cs:dataPoint>
+    <cs:lnRef idx="0"/>
+    <cs:fillRef idx="1">
+      <cs:styleClr val="auto"/>
+    </cs:fillRef>
+    <cs:effectRef idx="0"/>
+    <cs:fontRef idx="minor">
+      <a:schemeClr val="tx1"/>
+    </cs:fontRef>
+    <cs:spPr>
+      <a:ln w="19050">
+        <a:solidFill>
+          <a:schemeClr val="lt1"/>
+        </a:solidFill>
+      </a:ln>
+    </cs:spPr>
+  </cs:dataPoint>
+  <cs:dataPoint3D>
+    <cs:lnRef idx="0"/>
+    <cs:fillRef idx="1">
+      <cs:styleClr val="auto"/>
+    </cs:fillRef>
+    <cs:effectRef idx="0"/>
+    <cs:fontRef idx="minor">
+      <a:schemeClr val="tx1"/>
+    </cs:fontRef>
+    <cs:spPr>
+      <a:ln w="25400">
+        <a:solidFill>
+          <a:schemeClr val="lt1"/>
+        </a:solidFill>
+      </a:ln>
+    </cs:spPr>
+  </cs:dataPoint3D>
+  <cs:dataPointLine>
+    <cs:lnRef idx="0">
+      <cs:styleClr val="auto"/>
+    </cs:lnRef>
+    <cs:fillRef idx="0"/>
+    <cs:effectRef idx="0"/>
+    <cs:fontRef idx="minor">
+      <a:schemeClr val="tx1"/>
+    </cs:fontRef>
+    <cs:spPr>
+      <a:ln w="28575" cap="rnd">
+        <a:solidFill>
+          <a:schemeClr val="phClr"/>
+        </a:solidFill>
+        <a:round/>
+      </a:ln>
+    </cs:spPr>
+  </cs:dataPointLine>
+  <cs:dataPointMarker>
+    <cs:lnRef idx="0">
+      <cs:styleClr val="auto"/>
+    </cs:lnRef>
+    <cs:fillRef idx="1">
+      <cs:styleClr val="auto"/>
+    </cs:fillRef>
+    <cs:effectRef idx="0"/>
+    <cs:fontRef idx="minor">
+      <a:schemeClr val="tx1"/>
+    </cs:fontRef>
+    <cs:spPr>
+      <a:ln w="9525">
+        <a:solidFill>
+          <a:schemeClr val="phClr"/>
+        </a:solidFill>
+      </a:ln>
+    </cs:spPr>
+  </cs:dataPointMarker>
+  <cs:dataPointMarkerLayout symbol="circle" size="5"/>
+  <cs:dataPointWireframe>
+    <cs:lnRef idx="0">
+      <cs:styleClr val="auto"/>
+    </cs:lnRef>
+    <cs:fillRef idx="0"/>
+    <cs:effectRef idx="0"/>
+    <cs:fontRef idx="minor">
+      <a:schemeClr val="tx1"/>
+    </cs:fontRef>
+    <cs:spPr>
+      <a:ln w="9525" cap="rnd">
+        <a:solidFill>
+          <a:schemeClr val="phClr"/>
+        </a:solidFill>
+        <a:round/>
+      </a:ln>
+    </cs:spPr>
+  </cs:dataPointWireframe>
+  <cs:dataTable>
+    <cs:lnRef idx="0"/>
+    <cs:fillRef idx="0"/>
+    <cs:effectRef idx="0"/>
+    <cs:fontRef idx="minor">
+      <a:schemeClr val="tx1">
+        <a:lumMod val="65000"/>
+        <a:lumOff val="35000"/>
+      </a:schemeClr>
+    </cs:fontRef>
+    <cs:spPr>
+      <a:noFill/>
+      <a:ln w="9525" cap="flat" cmpd="sng" algn="ctr">
+        <a:solidFill>
+          <a:schemeClr val="tx1">
+            <a:lumMod val="15000"/>
+            <a:lumOff val="85000"/>
+          </a:schemeClr>
+        </a:solidFill>
+        <a:round/>
+      </a:ln>
+    </cs:spPr>
+    <cs:defRPr sz="1197" kern="1200"/>
+  </cs:dataTable>
+  <cs:downBar>
+    <cs:lnRef idx="0"/>
+    <cs:fillRef idx="0"/>
+    <cs:effectRef idx="0"/>
+    <cs:fontRef idx="minor">
+      <a:schemeClr val="tx1"/>
+    </cs:fontRef>
+    <cs:spPr>
+      <a:solidFill>
+        <a:schemeClr val="dk1">
+          <a:lumMod val="75000"/>
+          <a:lumOff val="25000"/>
+        </a:schemeClr>
+      </a:solidFill>
+      <a:ln w="9525" cap="flat" cmpd="sng" algn="ctr">
+        <a:solidFill>
+          <a:schemeClr val="tx1">
+            <a:lumMod val="65000"/>
+            <a:lumOff val="35000"/>
+          </a:schemeClr>
+        </a:solidFill>
+        <a:round/>
+      </a:ln>
+    </cs:spPr>
+  </cs:downBar>
+  <cs:dropLine>
+    <cs:lnRef idx="0"/>
+    <cs:fillRef idx="0"/>
+    <cs:effectRef idx="0"/>
+    <cs:fontRef idx="minor">
+      <a:schemeClr val="tx1"/>
+    </cs:fontRef>
+    <cs:spPr>
+      <a:ln w="9525" cap="flat" cmpd="sng" algn="ctr">
+        <a:solidFill>
+          <a:schemeClr val="tx1">
+            <a:lumMod val="35000"/>
+            <a:lumOff val="65000"/>
+          </a:schemeClr>
+        </a:solidFill>
+        <a:round/>
+      </a:ln>
+    </cs:spPr>
+  </cs:dropLine>
+  <cs:errorBar>
+    <cs:lnRef idx="0"/>
+    <cs:fillRef idx="0"/>
+    <cs:effectRef idx="0"/>
+    <cs:fontRef idx="minor">
+      <a:schemeClr val="tx1"/>
+    </cs:fontRef>
+    <cs:spPr>
+      <a:ln w="9525" cap="flat" cmpd="sng" algn="ctr">
+        <a:solidFill>
+          <a:schemeClr val="tx1">
+            <a:lumMod val="65000"/>
+            <a:lumOff val="35000"/>
+          </a:schemeClr>
+        </a:solidFill>
+        <a:round/>
+      </a:ln>
+    </cs:spPr>
+  </cs:errorBar>
+  <cs:floor>
+    <cs:lnRef idx="0"/>
+    <cs:fillRef idx="0"/>
+    <cs:effectRef idx="0"/>
+    <cs:fontRef idx="minor">
+      <a:schemeClr val="tx1"/>
+    </cs:fontRef>
+    <cs:spPr>
+      <a:noFill/>
+      <a:ln>
+        <a:noFill/>
+      </a:ln>
+    </cs:spPr>
+  </cs:floor>
+  <cs:gridlineMajor>
+    <cs:lnRef idx="0"/>
+    <cs:fillRef idx="0"/>
+    <cs:effectRef idx="0"/>
+    <cs:fontRef idx="minor">
+      <a:schemeClr val="tx1"/>
+    </cs:fontRef>
+    <cs:spPr>
+      <a:ln w="9525" cap="flat" cmpd="sng" algn="ctr">
+        <a:solidFill>
+          <a:schemeClr val="tx1">
+            <a:lumMod val="15000"/>
+            <a:lumOff val="85000"/>
+          </a:schemeClr>
+        </a:solidFill>
+        <a:round/>
+      </a:ln>
+    </cs:spPr>
+  </cs:gridlineMajor>
+  <cs:gridlineMinor>
+    <cs:lnRef idx="0"/>
+    <cs:fillRef idx="0"/>
+    <cs:effectRef idx="0"/>
+    <cs:fontRef idx="minor">
+      <a:schemeClr val="tx1"/>
+    </cs:fontRef>
+    <cs:spPr>
+      <a:ln w="9525" cap="flat" cmpd="sng" algn="ctr">
+        <a:solidFill>
+          <a:schemeClr val="tx1">
+            <a:lumMod val="5000"/>
+            <a:lumOff val="95000"/>
+          </a:schemeClr>
+        </a:solidFill>
+        <a:round/>
+      </a:ln>
+    </cs:spPr>
+  </cs:gridlineMinor>
+  <cs:hiLoLine>
+    <cs:lnRef idx="0"/>
+    <cs:fillRef idx="0"/>
+    <cs:effectRef idx="0"/>
+    <cs:fontRef idx="minor">
+      <a:schemeClr val="tx1"/>
+    </cs:fontRef>
+    <cs:spPr>
+      <a:ln w="9525" cap="flat" cmpd="sng" algn="ctr">
+        <a:solidFill>
+          <a:schemeClr val="tx1">
+            <a:lumMod val="50000"/>
+            <a:lumOff val="50000"/>
+          </a:schemeClr>
+        </a:solidFill>
+        <a:round/>
+      </a:ln>
+    </cs:spPr>
+  </cs:hiLoLine>
+  <cs:leaderLine>
+    <cs:lnRef idx="0"/>
+    <cs:fillRef idx="0"/>
+    <cs:effectRef idx="0"/>
+    <cs:fontRef idx="minor">
+      <a:schemeClr val="tx1"/>
+    </cs:fontRef>
+    <cs:spPr>
+      <a:ln w="9525" cap="flat" cmpd="sng" algn="ctr">
+        <a:solidFill>
+          <a:schemeClr val="tx1">
+            <a:lumMod val="35000"/>
+            <a:lumOff val="65000"/>
+          </a:schemeClr>
+        </a:solidFill>
+        <a:round/>
+      </a:ln>
+    </cs:spPr>
+  </cs:leaderLine>
+  <cs:legend>
+    <cs:lnRef idx="0"/>
+    <cs:fillRef idx="0"/>
+    <cs:effectRef idx="0"/>
+    <cs:fontRef idx="minor">
+      <a:schemeClr val="tx1">
+        <a:lumMod val="65000"/>
+        <a:lumOff val="35000"/>
+      </a:schemeClr>
+    </cs:fontRef>
+    <cs:defRPr sz="1197" kern="1200"/>
+  </cs:legend>
+  <cs:plotArea mods="allowNoFillOverride allowNoLineOverride">
+    <cs:lnRef idx="0"/>
+    <cs:fillRef idx="0"/>
+    <cs:effectRef idx="0"/>
+    <cs:fontRef idx="minor">
+      <a:schemeClr val="tx1"/>
+    </cs:fontRef>
+  </cs:plotArea>
+  <cs:plotArea3D mods="allowNoFillOverride allowNoLineOverride">
+    <cs:lnRef idx="0"/>
+    <cs:fillRef idx="0"/>
+    <cs:effectRef idx="0"/>
+    <cs:fontRef idx="minor">
+      <a:schemeClr val="tx1"/>
+    </cs:fontRef>
+  </cs:plotArea3D>
+  <cs:seriesAxis>
+    <cs:lnRef idx="0"/>
+    <cs:fillRef idx="0"/>
+    <cs:effectRef idx="0"/>
+    <cs:fontRef idx="minor">
+      <a:schemeClr val="tx1">
+        <a:lumMod val="65000"/>
+        <a:lumOff val="35000"/>
+      </a:schemeClr>
+    </cs:fontRef>
+    <cs:defRPr sz="1197" kern="1200"/>
+  </cs:seriesAxis>
+  <cs:seriesLine>
+    <cs:lnRef idx="0"/>
+    <cs:fillRef idx="0"/>
+    <cs:effectRef idx="0"/>
+    <cs:fontRef idx="minor">
+      <a:schemeClr val="tx1"/>
+    </cs:fontRef>
+    <cs:spPr>
+      <a:ln w="9525" cap="flat" cmpd="sng" algn="ctr">
+        <a:solidFill>
+          <a:schemeClr val="tx1">
+            <a:lumMod val="35000"/>
+            <a:lumOff val="65000"/>
+          </a:schemeClr>
+        </a:solidFill>
+        <a:round/>
+      </a:ln>
+    </cs:spPr>
+  </cs:seriesLine>
+  <cs:title>
+    <cs:lnRef idx="0"/>
+    <cs:fillRef idx="0"/>
+    <cs:effectRef idx="0"/>
+    <cs:fontRef idx="minor">
+      <a:schemeClr val="tx1">
+        <a:lumMod val="65000"/>
+        <a:lumOff val="35000"/>
+      </a:schemeClr>
+    </cs:fontRef>
+    <cs:defRPr sz="1862" b="0" kern="1200" spc="0" baseline="0"/>
+  </cs:title>
+  <cs:trendline>
+    <cs:lnRef idx="0">
+      <cs:styleClr val="auto"/>
+    </cs:lnRef>
+    <cs:fillRef idx="0"/>
+    <cs:effectRef idx="0"/>
+    <cs:fontRef idx="minor">
+      <a:schemeClr val="tx1"/>
+    </cs:fontRef>
+    <cs:spPr>
+      <a:ln w="19050" cap="rnd">
+        <a:solidFill>
+          <a:schemeClr val="phClr"/>
+        </a:solidFill>
+        <a:prstDash val="sysDot"/>
+      </a:ln>
+    </cs:spPr>
+  </cs:trendline>
+  <cs:trendlineLabel>
+    <cs:lnRef idx="0"/>
+    <cs:fillRef idx="0"/>
+    <cs:effectRef idx="0"/>
+    <cs:fontRef idx="minor">
+      <a:schemeClr val="tx1">
+        <a:lumMod val="65000"/>
+        <a:lumOff val="35000"/>
+      </a:schemeClr>
+    </cs:fontRef>
+    <cs:defRPr sz="1197" kern="1200"/>
+  </cs:trendlineLabel>
+  <cs:upBar>
+    <cs:lnRef idx="0"/>
+    <cs:fillRef idx="0"/>
+    <cs:effectRef idx="0"/>
+    <cs:fontRef idx="minor">
+      <a:schemeClr val="tx1"/>
+    </cs:fontRef>
+    <cs:spPr>
+      <a:solidFill>
+        <a:schemeClr val="lt1"/>
+      </a:solidFill>
+      <a:ln w="9525" cap="flat" cmpd="sng" algn="ctr">
+        <a:solidFill>
+          <a:schemeClr val="tx1">
+            <a:lumMod val="65000"/>
+            <a:lumOff val="35000"/>
+          </a:schemeClr>
+        </a:solidFill>
+        <a:round/>
+      </a:ln>
+    </cs:spPr>
+  </cs:upBar>
+  <cs:valueAxis>
+    <cs:lnRef idx="0"/>
+    <cs:fillRef idx="0"/>
+    <cs:effectRef idx="0"/>
+    <cs:fontRef idx="minor">
+      <a:schemeClr val="tx1">
+        <a:lumMod val="65000"/>
+        <a:lumOff val="35000"/>
+      </a:schemeClr>
+    </cs:fontRef>
+    <cs:defRPr sz="1197" kern="1200"/>
+  </cs:valueAxis>
+  <cs:wall>
+    <cs:lnRef idx="0"/>
+    <cs:fillRef idx="0"/>
+    <cs:effectRef idx="0"/>
+    <cs:fontRef idx="minor">
+      <a:schemeClr val="tx1"/>
+    </cs:fontRef>
+    <cs:spPr>
+      <a:noFill/>
+      <a:ln>
+        <a:noFill/>
+      </a:ln>
+    </cs:spPr>
+  </cs:wall>
+</cs:chartStyle>
 </file>
 
 <file path=ppt/diagrams/colors1.xml><?xml version="1.0" encoding="utf-8"?>
@@ -3974,7 +4758,7 @@
           <a:p>
             <a:fld id="{2F3E8B1C-86EF-43CF-8304-249481088644}" type="datetimeFigureOut">
               <a:rPr lang="en-US" smtClean="0"/>
-              <a:t>6/28/2023</a:t>
+              <a:t>6/29/2023</a:t>
             </a:fld>
             <a:endParaRPr lang="en-US"/>
           </a:p>
@@ -4172,7 +4956,7 @@
           <a:p>
             <a:fld id="{2F3E8B1C-86EF-43CF-8304-249481088644}" type="datetimeFigureOut">
               <a:rPr lang="en-US" smtClean="0"/>
-              <a:t>6/28/2023</a:t>
+              <a:t>6/29/2023</a:t>
             </a:fld>
             <a:endParaRPr lang="en-US"/>
           </a:p>
@@ -4380,7 +5164,7 @@
           <a:p>
             <a:fld id="{2F3E8B1C-86EF-43CF-8304-249481088644}" type="datetimeFigureOut">
               <a:rPr lang="en-US" smtClean="0"/>
-              <a:t>6/28/2023</a:t>
+              <a:t>6/29/2023</a:t>
             </a:fld>
             <a:endParaRPr lang="en-US"/>
           </a:p>
@@ -4578,7 +5362,7 @@
           <a:p>
             <a:fld id="{2F3E8B1C-86EF-43CF-8304-249481088644}" type="datetimeFigureOut">
               <a:rPr lang="en-US" smtClean="0"/>
-              <a:t>6/28/2023</a:t>
+              <a:t>6/29/2023</a:t>
             </a:fld>
             <a:endParaRPr lang="en-US"/>
           </a:p>
@@ -4853,7 +5637,7 @@
           <a:p>
             <a:fld id="{2F3E8B1C-86EF-43CF-8304-249481088644}" type="datetimeFigureOut">
               <a:rPr lang="en-US" smtClean="0"/>
-              <a:t>6/28/2023</a:t>
+              <a:t>6/29/2023</a:t>
             </a:fld>
             <a:endParaRPr lang="en-US"/>
           </a:p>
@@ -5123,7 +5907,7 @@
           <a:p>
             <a:fld id="{2F3E8B1C-86EF-43CF-8304-249481088644}" type="datetimeFigureOut">
               <a:rPr lang="en-US" smtClean="0"/>
-              <a:t>6/28/2023</a:t>
+              <a:t>6/29/2023</a:t>
             </a:fld>
             <a:endParaRPr lang="en-US"/>
           </a:p>
@@ -5543,7 +6327,7 @@
           <a:p>
             <a:fld id="{2F3E8B1C-86EF-43CF-8304-249481088644}" type="datetimeFigureOut">
               <a:rPr lang="en-US" smtClean="0"/>
-              <a:t>6/28/2023</a:t>
+              <a:t>6/29/2023</a:t>
             </a:fld>
             <a:endParaRPr lang="en-US"/>
           </a:p>
@@ -5684,7 +6468,7 @@
           <a:p>
             <a:fld id="{2F3E8B1C-86EF-43CF-8304-249481088644}" type="datetimeFigureOut">
               <a:rPr lang="en-US" smtClean="0"/>
-              <a:t>6/28/2023</a:t>
+              <a:t>6/29/2023</a:t>
             </a:fld>
             <a:endParaRPr lang="en-US"/>
           </a:p>
@@ -5797,7 +6581,7 @@
           <a:p>
             <a:fld id="{2F3E8B1C-86EF-43CF-8304-249481088644}" type="datetimeFigureOut">
               <a:rPr lang="en-US" smtClean="0"/>
-              <a:t>6/28/2023</a:t>
+              <a:t>6/29/2023</a:t>
             </a:fld>
             <a:endParaRPr lang="en-US"/>
           </a:p>
@@ -6108,7 +6892,7 @@
           <a:p>
             <a:fld id="{2F3E8B1C-86EF-43CF-8304-249481088644}" type="datetimeFigureOut">
               <a:rPr lang="en-US" smtClean="0"/>
-              <a:t>6/28/2023</a:t>
+              <a:t>6/29/2023</a:t>
             </a:fld>
             <a:endParaRPr lang="en-US"/>
           </a:p>
@@ -6396,7 +7180,7 @@
           <a:p>
             <a:fld id="{2F3E8B1C-86EF-43CF-8304-249481088644}" type="datetimeFigureOut">
               <a:rPr lang="en-US" smtClean="0"/>
-              <a:t>6/28/2023</a:t>
+              <a:t>6/29/2023</a:t>
             </a:fld>
             <a:endParaRPr lang="en-US"/>
           </a:p>
@@ -6633,7 +7417,7 @@
             <a:fld id="{2F3E8B1C-86EF-43CF-8304-249481088644}" type="datetimeFigureOut">
               <a:rPr lang="en-US" smtClean="0"/>
               <a:pPr/>
-              <a:t>6/28/2023</a:t>
+              <a:t>6/29/2023</a:t>
             </a:fld>
             <a:endParaRPr lang="en-US" dirty="0"/>
           </a:p>
@@ -7644,90 +8428,6 @@
 <file path=ppt/slides/slide10.xml><?xml version="1.0" encoding="utf-8"?>
 <p:sld xmlns:a="http://schemas.openxmlformats.org/drawingml/2006/main" xmlns:r="http://schemas.openxmlformats.org/officeDocument/2006/relationships" xmlns:p="http://schemas.openxmlformats.org/presentationml/2006/main">
   <p:cSld>
-    <p:spTree>
-      <p:nvGrpSpPr>
-        <p:cNvPr id="1" name=""/>
-        <p:cNvGrpSpPr/>
-        <p:nvPr/>
-      </p:nvGrpSpPr>
-      <p:grpSpPr>
-        <a:xfrm>
-          <a:off x="0" y="0"/>
-          <a:ext cx="0" cy="0"/>
-          <a:chOff x="0" y="0"/>
-          <a:chExt cx="0" cy="0"/>
-        </a:xfrm>
-      </p:grpSpPr>
-      <p:sp>
-        <p:nvSpPr>
-          <p:cNvPr id="2" name="タイトル 1">
-            <a:extLst>
-              <a:ext uri="{FF2B5EF4-FFF2-40B4-BE49-F238E27FC236}">
-                <a16:creationId xmlns:a16="http://schemas.microsoft.com/office/drawing/2014/main" id="{647108C9-B18A-4B1B-B359-BF9CAED1B5B0}"/>
-              </a:ext>
-            </a:extLst>
-          </p:cNvPr>
-          <p:cNvSpPr>
-            <a:spLocks noGrp="1"/>
-          </p:cNvSpPr>
-          <p:nvPr>
-            <p:ph type="title"/>
-          </p:nvPr>
-        </p:nvSpPr>
-        <p:spPr/>
-        <p:txBody>
-          <a:bodyPr/>
-          <a:lstStyle/>
-          <a:p>
-            <a:r>
-              <a:rPr lang="ja-JP" altLang="en-US" dirty="0"/>
-              <a:t>今回の開発を行った感想</a:t>
-            </a:r>
-            <a:endParaRPr kumimoji="1" lang="ja-JP" altLang="en-US" dirty="0"/>
-          </a:p>
-        </p:txBody>
-      </p:sp>
-      <p:sp>
-        <p:nvSpPr>
-          <p:cNvPr id="3" name="コンテンツ プレースホルダー 2">
-            <a:extLst>
-              <a:ext uri="{FF2B5EF4-FFF2-40B4-BE49-F238E27FC236}">
-                <a16:creationId xmlns:a16="http://schemas.microsoft.com/office/drawing/2014/main" id="{3CC8D2E1-1A8E-4EE1-A73A-DD8DEB54FB9B}"/>
-              </a:ext>
-            </a:extLst>
-          </p:cNvPr>
-          <p:cNvSpPr>
-            <a:spLocks noGrp="1"/>
-          </p:cNvSpPr>
-          <p:nvPr>
-            <p:ph idx="1"/>
-          </p:nvPr>
-        </p:nvSpPr>
-        <p:spPr/>
-        <p:txBody>
-          <a:bodyPr/>
-          <a:lstStyle/>
-          <a:p>
-            <a:endParaRPr kumimoji="1" lang="ja-JP" altLang="en-US"/>
-          </a:p>
-        </p:txBody>
-      </p:sp>
-    </p:spTree>
-    <p:extLst>
-      <p:ext uri="{BB962C8B-B14F-4D97-AF65-F5344CB8AC3E}">
-        <p14:creationId xmlns:p14="http://schemas.microsoft.com/office/powerpoint/2010/main" val="550954588"/>
-      </p:ext>
-    </p:extLst>
-  </p:cSld>
-  <p:clrMapOvr>
-    <a:masterClrMapping/>
-  </p:clrMapOvr>
-</p:sld>
-</file>
-
-<file path=ppt/slides/slide11.xml><?xml version="1.0" encoding="utf-8"?>
-<p:sld xmlns:a="http://schemas.openxmlformats.org/drawingml/2006/main" xmlns:r="http://schemas.openxmlformats.org/officeDocument/2006/relationships" xmlns:p="http://schemas.openxmlformats.org/presentationml/2006/main">
-  <p:cSld>
     <p:bg>
       <p:bgPr>
         <a:solidFill>
@@ -7752,7 +8452,7 @@
       </p:grpSpPr>
       <p:sp useBgFill="1">
         <p:nvSpPr>
-          <p:cNvPr id="10" name="Rectangle 9">
+          <p:cNvPr id="12" name="Rectangle 11">
             <a:extLst>
               <a:ext uri="{FF2B5EF4-FFF2-40B4-BE49-F238E27FC236}">
                 <a16:creationId xmlns:a16="http://schemas.microsoft.com/office/drawing/2014/main" id="{E49D7415-2F11-44C2-B6AA-13A25B6814B9}"/>
@@ -7831,6 +8531,482 @@
           <p:cNvPr id="2" name="タイトル 1">
             <a:extLst>
               <a:ext uri="{FF2B5EF4-FFF2-40B4-BE49-F238E27FC236}">
+                <a16:creationId xmlns:a16="http://schemas.microsoft.com/office/drawing/2014/main" id="{C02DD323-80E0-4A56-9701-7340B0199536}"/>
+              </a:ext>
+            </a:extLst>
+          </p:cNvPr>
+          <p:cNvSpPr>
+            <a:spLocks noGrp="1"/>
+          </p:cNvSpPr>
+          <p:nvPr>
+            <p:ph type="title"/>
+          </p:nvPr>
+        </p:nvSpPr>
+        <p:spPr>
+          <a:xfrm>
+            <a:off x="700088" y="909637"/>
+            <a:ext cx="6852004" cy="1362073"/>
+          </a:xfrm>
+        </p:spPr>
+        <p:txBody>
+          <a:bodyPr>
+            <a:normAutofit/>
+          </a:bodyPr>
+          <a:lstStyle/>
+          <a:p>
+            <a:r>
+              <a:rPr lang="ja-JP" altLang="en-US" dirty="0"/>
+              <a:t>課題・今後の展望</a:t>
+            </a:r>
+            <a:endParaRPr kumimoji="1" lang="ja-JP" altLang="en-US" dirty="0"/>
+          </a:p>
+        </p:txBody>
+      </p:sp>
+      <p:cxnSp>
+        <p:nvCxnSpPr>
+          <p:cNvPr id="14" name="Straight Connector 13">
+            <a:extLst>
+              <a:ext uri="{FF2B5EF4-FFF2-40B4-BE49-F238E27FC236}">
+                <a16:creationId xmlns:a16="http://schemas.microsoft.com/office/drawing/2014/main" id="{7F1E95A2-E5F1-4C8A-92DC-CE369D193924}"/>
+              </a:ext>
+              <a:ext uri="{C183D7F6-B498-43B3-948B-1728B52AA6E4}">
+                <adec:decorative xmlns:adec="http://schemas.microsoft.com/office/drawing/2017/decorative" val="1"/>
+              </a:ext>
+            </a:extLst>
+          </p:cNvPr>
+          <p:cNvCxnSpPr>
+            <a:cxnSpLocks noGrp="1" noRot="1" noChangeAspect="1" noMove="1" noResize="1" noEditPoints="1" noAdjustHandles="1" noChangeArrowheads="1" noChangeShapeType="1"/>
+          </p:cNvCxnSpPr>
+          <p:nvPr>
+            <p:extLst>
+              <p:ext uri="{386F3935-93C4-4BCD-93E2-E3B085C9AB24}">
+                <p16:designElem xmlns:p16="http://schemas.microsoft.com/office/powerpoint/2015/main" val="1"/>
+              </p:ext>
+            </p:extLst>
+          </p:nvPr>
+        </p:nvCxnSpPr>
+        <p:spPr>
+          <a:xfrm>
+            <a:off x="800100" y="723900"/>
+            <a:ext cx="10591800" cy="0"/>
+          </a:xfrm>
+          <a:prstGeom prst="line">
+            <a:avLst/>
+          </a:prstGeom>
+          <a:ln w="44450">
+            <a:solidFill>
+              <a:schemeClr val="tx1"/>
+            </a:solidFill>
+          </a:ln>
+        </p:spPr>
+        <p:style>
+          <a:lnRef idx="1">
+            <a:schemeClr val="accent1"/>
+          </a:lnRef>
+          <a:fillRef idx="0">
+            <a:schemeClr val="accent1"/>
+          </a:fillRef>
+          <a:effectRef idx="0">
+            <a:schemeClr val="accent1"/>
+          </a:effectRef>
+          <a:fontRef idx="minor">
+            <a:schemeClr val="tx1"/>
+          </a:fontRef>
+        </p:style>
+      </p:cxnSp>
+      <p:sp>
+        <p:nvSpPr>
+          <p:cNvPr id="3" name="コンテンツ プレースホルダー 2">
+            <a:extLst>
+              <a:ext uri="{FF2B5EF4-FFF2-40B4-BE49-F238E27FC236}">
+                <a16:creationId xmlns:a16="http://schemas.microsoft.com/office/drawing/2014/main" id="{9AD69862-8139-4D10-9801-6BDE0CF252D3}"/>
+              </a:ext>
+            </a:extLst>
+          </p:cNvPr>
+          <p:cNvSpPr>
+            <a:spLocks noGrp="1"/>
+          </p:cNvSpPr>
+          <p:nvPr>
+            <p:ph idx="1"/>
+          </p:nvPr>
+        </p:nvSpPr>
+        <p:spPr>
+          <a:xfrm>
+            <a:off x="700087" y="2276473"/>
+            <a:ext cx="8129587" cy="3671875"/>
+          </a:xfrm>
+        </p:spPr>
+        <p:txBody>
+          <a:bodyPr>
+            <a:normAutofit fontScale="92500" lnSpcReduction="20000"/>
+          </a:bodyPr>
+          <a:lstStyle/>
+          <a:p>
+            <a:r>
+              <a:rPr kumimoji="1" lang="ja-JP" altLang="en-US" sz="2600" dirty="0"/>
+              <a:t>集計機能で記録された情報をカレンダーに表示</a:t>
+            </a:r>
+            <a:endParaRPr kumimoji="1" lang="en-US" altLang="ja-JP" sz="2600" dirty="0"/>
+          </a:p>
+          <a:p>
+            <a:pPr marL="0" indent="0">
+              <a:buNone/>
+            </a:pPr>
+            <a:r>
+              <a:rPr kumimoji="1" lang="en-US" altLang="ja-JP" sz="2600" dirty="0"/>
+              <a:t>	</a:t>
+            </a:r>
+            <a:r>
+              <a:rPr kumimoji="1" lang="ja-JP" altLang="en-US" sz="2600" dirty="0"/>
+              <a:t>→飲み会の記録をもとに休肝日の設定</a:t>
+            </a:r>
+            <a:endParaRPr kumimoji="1" lang="en-US" altLang="ja-JP" sz="2600" dirty="0"/>
+          </a:p>
+          <a:p>
+            <a:r>
+              <a:rPr kumimoji="1" lang="ja-JP" altLang="en-US" sz="2600" dirty="0"/>
+              <a:t>カレンダーに登録された予定の前にメールで通知</a:t>
+            </a:r>
+            <a:endParaRPr kumimoji="1" lang="en-US" altLang="ja-JP" sz="2600" dirty="0"/>
+          </a:p>
+          <a:p>
+            <a:r>
+              <a:rPr kumimoji="1" lang="ja-JP" altLang="en-US" sz="2600" dirty="0"/>
+              <a:t>登録された体質とコンデションをもとに</a:t>
+            </a:r>
+            <a:endParaRPr kumimoji="1" lang="en-US" altLang="ja-JP" sz="2600" dirty="0"/>
+          </a:p>
+          <a:p>
+            <a:pPr marL="0" indent="0">
+              <a:buNone/>
+            </a:pPr>
+            <a:r>
+              <a:rPr kumimoji="1" lang="ja-JP" altLang="en-US" sz="2600" dirty="0"/>
+              <a:t>　飲みすぎ通知機能</a:t>
+            </a:r>
+            <a:endParaRPr kumimoji="1" lang="en-US" altLang="ja-JP" sz="2600" dirty="0"/>
+          </a:p>
+          <a:p>
+            <a:r>
+              <a:rPr kumimoji="1" lang="ja-JP" altLang="en-US" sz="2600" dirty="0"/>
+              <a:t>将来的には居酒屋やバーと連携し、</a:t>
+            </a:r>
+            <a:endParaRPr kumimoji="1" lang="en-US" altLang="ja-JP" sz="2600" dirty="0"/>
+          </a:p>
+          <a:p>
+            <a:pPr marL="0" indent="0">
+              <a:buNone/>
+            </a:pPr>
+            <a:r>
+              <a:rPr kumimoji="1" lang="ja-JP" altLang="en-US" sz="2600" dirty="0"/>
+              <a:t>　割り勘が楽になるのでは</a:t>
+            </a:r>
+            <a:r>
+              <a:rPr kumimoji="1" lang="en-US" altLang="ja-JP" sz="2600" dirty="0"/>
+              <a:t>…</a:t>
+            </a:r>
+            <a:r>
+              <a:rPr kumimoji="1" lang="ja-JP" altLang="en-US" sz="2600" dirty="0"/>
+              <a:t>？</a:t>
+            </a:r>
+            <a:endParaRPr kumimoji="1" lang="en-US" altLang="ja-JP" sz="2600" dirty="0"/>
+          </a:p>
+          <a:p>
+            <a:endParaRPr kumimoji="1" lang="en-US" altLang="ja-JP" dirty="0"/>
+          </a:p>
+        </p:txBody>
+      </p:sp>
+      <p:pic>
+        <p:nvPicPr>
+          <p:cNvPr id="7" name="図 6" descr="おもちゃ, 食品 が含まれている画像&#10;&#10;自動的に生成された説明">
+            <a:extLst>
+              <a:ext uri="{FF2B5EF4-FFF2-40B4-BE49-F238E27FC236}">
+                <a16:creationId xmlns:a16="http://schemas.microsoft.com/office/drawing/2014/main" id="{255E6FAD-524B-4FCD-9C28-FE4913B9D0B9}"/>
+              </a:ext>
+            </a:extLst>
+          </p:cNvPr>
+          <p:cNvPicPr>
+            <a:picLocks noChangeAspect="1"/>
+          </p:cNvPicPr>
+          <p:nvPr/>
+        </p:nvPicPr>
+        <p:blipFill>
+          <a:blip r:embed="rId2">
+            <a:extLst>
+              <a:ext uri="{28A0092B-C50C-407E-A947-70E740481C1C}">
+                <a14:useLocalDpi xmlns:a14="http://schemas.microsoft.com/office/drawing/2010/main" val="0"/>
+              </a:ext>
+            </a:extLst>
+          </a:blip>
+          <a:stretch>
+            <a:fillRect/>
+          </a:stretch>
+        </p:blipFill>
+        <p:spPr>
+          <a:xfrm>
+            <a:off x="8115300" y="1121533"/>
+            <a:ext cx="3276600" cy="4614929"/>
+          </a:xfrm>
+          <a:prstGeom prst="rect">
+            <a:avLst/>
+          </a:prstGeom>
+        </p:spPr>
+      </p:pic>
+      <p:cxnSp>
+        <p:nvCxnSpPr>
+          <p:cNvPr id="16" name="Straight Connector 15">
+            <a:extLst>
+              <a:ext uri="{FF2B5EF4-FFF2-40B4-BE49-F238E27FC236}">
+                <a16:creationId xmlns:a16="http://schemas.microsoft.com/office/drawing/2014/main" id="{AFCF674C-D208-4497-A189-02E8503DA8F3}"/>
+              </a:ext>
+              <a:ext uri="{C183D7F6-B498-43B3-948B-1728B52AA6E4}">
+                <adec:decorative xmlns:adec="http://schemas.microsoft.com/office/drawing/2017/decorative" val="1"/>
+              </a:ext>
+            </a:extLst>
+          </p:cNvPr>
+          <p:cNvCxnSpPr>
+            <a:cxnSpLocks noGrp="1" noRot="1" noChangeAspect="1" noMove="1" noResize="1" noEditPoints="1" noAdjustHandles="1" noChangeArrowheads="1" noChangeShapeType="1"/>
+          </p:cNvCxnSpPr>
+          <p:nvPr>
+            <p:extLst>
+              <p:ext uri="{386F3935-93C4-4BCD-93E2-E3B085C9AB24}">
+                <p16:designElem xmlns:p16="http://schemas.microsoft.com/office/powerpoint/2015/main" val="1"/>
+              </p:ext>
+            </p:extLst>
+          </p:nvPr>
+        </p:nvCxnSpPr>
+        <p:spPr>
+          <a:xfrm>
+            <a:off x="800100" y="6142781"/>
+            <a:ext cx="10591800" cy="0"/>
+          </a:xfrm>
+          <a:prstGeom prst="line">
+            <a:avLst/>
+          </a:prstGeom>
+          <a:ln w="12700">
+            <a:solidFill>
+              <a:schemeClr val="tx1"/>
+            </a:solidFill>
+          </a:ln>
+        </p:spPr>
+        <p:style>
+          <a:lnRef idx="1">
+            <a:schemeClr val="accent1"/>
+          </a:lnRef>
+          <a:fillRef idx="0">
+            <a:schemeClr val="accent1"/>
+          </a:fillRef>
+          <a:effectRef idx="0">
+            <a:schemeClr val="accent1"/>
+          </a:effectRef>
+          <a:fontRef idx="minor">
+            <a:schemeClr val="tx1"/>
+          </a:fontRef>
+        </p:style>
+      </p:cxnSp>
+    </p:spTree>
+    <p:extLst>
+      <p:ext uri="{BB962C8B-B14F-4D97-AF65-F5344CB8AC3E}">
+        <p14:creationId xmlns:p14="http://schemas.microsoft.com/office/powerpoint/2010/main" val="2445445592"/>
+      </p:ext>
+    </p:extLst>
+  </p:cSld>
+  <p:clrMapOvr>
+    <a:masterClrMapping/>
+  </p:clrMapOvr>
+</p:sld>
+</file>
+
+<file path=ppt/slides/slide11.xml><?xml version="1.0" encoding="utf-8"?>
+<p:sld xmlns:a="http://schemas.openxmlformats.org/drawingml/2006/main" xmlns:r="http://schemas.openxmlformats.org/officeDocument/2006/relationships" xmlns:p="http://schemas.openxmlformats.org/presentationml/2006/main">
+  <p:cSld>
+    <p:spTree>
+      <p:nvGrpSpPr>
+        <p:cNvPr id="1" name=""/>
+        <p:cNvGrpSpPr/>
+        <p:nvPr/>
+      </p:nvGrpSpPr>
+      <p:grpSpPr>
+        <a:xfrm>
+          <a:off x="0" y="0"/>
+          <a:ext cx="0" cy="0"/>
+          <a:chOff x="0" y="0"/>
+          <a:chExt cx="0" cy="0"/>
+        </a:xfrm>
+      </p:grpSpPr>
+      <p:sp>
+        <p:nvSpPr>
+          <p:cNvPr id="2" name="タイトル 1">
+            <a:extLst>
+              <a:ext uri="{FF2B5EF4-FFF2-40B4-BE49-F238E27FC236}">
+                <a16:creationId xmlns:a16="http://schemas.microsoft.com/office/drawing/2014/main" id="{647108C9-B18A-4B1B-B359-BF9CAED1B5B0}"/>
+              </a:ext>
+            </a:extLst>
+          </p:cNvPr>
+          <p:cNvSpPr>
+            <a:spLocks noGrp="1"/>
+          </p:cNvSpPr>
+          <p:nvPr>
+            <p:ph type="title"/>
+          </p:nvPr>
+        </p:nvSpPr>
+        <p:spPr/>
+        <p:txBody>
+          <a:bodyPr/>
+          <a:lstStyle/>
+          <a:p>
+            <a:r>
+              <a:rPr lang="ja-JP" altLang="en-US" dirty="0"/>
+              <a:t>今回の開発を行った感想</a:t>
+            </a:r>
+            <a:endParaRPr kumimoji="1" lang="ja-JP" altLang="en-US" dirty="0"/>
+          </a:p>
+        </p:txBody>
+      </p:sp>
+      <p:sp>
+        <p:nvSpPr>
+          <p:cNvPr id="3" name="コンテンツ プレースホルダー 2">
+            <a:extLst>
+              <a:ext uri="{FF2B5EF4-FFF2-40B4-BE49-F238E27FC236}">
+                <a16:creationId xmlns:a16="http://schemas.microsoft.com/office/drawing/2014/main" id="{3CC8D2E1-1A8E-4EE1-A73A-DD8DEB54FB9B}"/>
+              </a:ext>
+            </a:extLst>
+          </p:cNvPr>
+          <p:cNvSpPr>
+            <a:spLocks noGrp="1"/>
+          </p:cNvSpPr>
+          <p:nvPr>
+            <p:ph idx="1"/>
+          </p:nvPr>
+        </p:nvSpPr>
+        <p:spPr/>
+        <p:txBody>
+          <a:bodyPr/>
+          <a:lstStyle/>
+          <a:p>
+            <a:endParaRPr kumimoji="1" lang="ja-JP" altLang="en-US"/>
+          </a:p>
+        </p:txBody>
+      </p:sp>
+    </p:spTree>
+    <p:extLst>
+      <p:ext uri="{BB962C8B-B14F-4D97-AF65-F5344CB8AC3E}">
+        <p14:creationId xmlns:p14="http://schemas.microsoft.com/office/powerpoint/2010/main" val="550954588"/>
+      </p:ext>
+    </p:extLst>
+  </p:cSld>
+  <p:clrMapOvr>
+    <a:masterClrMapping/>
+  </p:clrMapOvr>
+</p:sld>
+</file>
+
+<file path=ppt/slides/slide12.xml><?xml version="1.0" encoding="utf-8"?>
+<p:sld xmlns:a="http://schemas.openxmlformats.org/drawingml/2006/main" xmlns:r="http://schemas.openxmlformats.org/officeDocument/2006/relationships" xmlns:p="http://schemas.openxmlformats.org/presentationml/2006/main">
+  <p:cSld>
+    <p:bg>
+      <p:bgPr>
+        <a:solidFill>
+          <a:schemeClr val="bg1"/>
+        </a:solidFill>
+        <a:effectLst/>
+      </p:bgPr>
+    </p:bg>
+    <p:spTree>
+      <p:nvGrpSpPr>
+        <p:cNvPr id="1" name=""/>
+        <p:cNvGrpSpPr/>
+        <p:nvPr/>
+      </p:nvGrpSpPr>
+      <p:grpSpPr>
+        <a:xfrm>
+          <a:off x="0" y="0"/>
+          <a:ext cx="0" cy="0"/>
+          <a:chOff x="0" y="0"/>
+          <a:chExt cx="0" cy="0"/>
+        </a:xfrm>
+      </p:grpSpPr>
+      <p:sp useBgFill="1">
+        <p:nvSpPr>
+          <p:cNvPr id="10" name="Rectangle 9">
+            <a:extLst>
+              <a:ext uri="{FF2B5EF4-FFF2-40B4-BE49-F238E27FC236}">
+                <a16:creationId xmlns:a16="http://schemas.microsoft.com/office/drawing/2014/main" id="{E49D7415-2F11-44C2-B6AA-13A25B6814B9}"/>
+              </a:ext>
+              <a:ext uri="{C183D7F6-B498-43B3-948B-1728B52AA6E4}">
+                <adec:decorative xmlns:adec="http://schemas.microsoft.com/office/drawing/2017/decorative" val="1"/>
+              </a:ext>
+            </a:extLst>
+          </p:cNvPr>
+          <p:cNvSpPr>
+            <a:spLocks noGrp="1" noRot="1" noChangeAspect="1" noMove="1" noResize="1" noEditPoints="1" noAdjustHandles="1" noChangeArrowheads="1" noChangeShapeType="1" noTextEdit="1"/>
+          </p:cNvSpPr>
+          <p:nvPr>
+            <p:extLst>
+              <p:ext uri="{386F3935-93C4-4BCD-93E2-E3B085C9AB24}">
+                <p16:designElem xmlns:p16="http://schemas.microsoft.com/office/powerpoint/2015/main" val="1"/>
+              </p:ext>
+            </p:extLst>
+          </p:nvPr>
+        </p:nvSpPr>
+        <p:spPr>
+          <a:xfrm>
+            <a:off x="0" y="0"/>
+            <a:ext cx="12192000" cy="6858000"/>
+          </a:xfrm>
+          <a:prstGeom prst="rect">
+            <a:avLst/>
+          </a:prstGeom>
+          <a:ln w="12700" cap="flat" cmpd="sng" algn="ctr">
+            <a:noFill/>
+            <a:prstDash val="solid"/>
+            <a:miter lim="800000"/>
+          </a:ln>
+          <a:effectLst/>
+          <a:extLst>
+            <a:ext uri="{91240B29-F687-4F45-9708-019B960494DF}">
+              <a14:hiddenLine xmlns:a14="http://schemas.microsoft.com/office/drawing/2010/main" w="12700" cap="flat" cmpd="sng" algn="ctr">
+                <a:solidFill>
+                  <a:schemeClr val="accent1">
+                    <a:shade val="50000"/>
+                  </a:schemeClr>
+                </a:solidFill>
+                <a:prstDash val="solid"/>
+                <a:miter lim="800000"/>
+              </a14:hiddenLine>
+            </a:ext>
+          </a:extLst>
+        </p:spPr>
+        <p:style>
+          <a:lnRef idx="2">
+            <a:schemeClr val="accent1">
+              <a:shade val="50000"/>
+            </a:schemeClr>
+          </a:lnRef>
+          <a:fillRef idx="1">
+            <a:schemeClr val="accent1"/>
+          </a:fillRef>
+          <a:effectRef idx="0">
+            <a:schemeClr val="accent1"/>
+          </a:effectRef>
+          <a:fontRef idx="minor">
+            <a:schemeClr val="lt1"/>
+          </a:fontRef>
+        </p:style>
+        <p:txBody>
+          <a:bodyPr rtlCol="0" anchor="ctr"/>
+          <a:lstStyle/>
+          <a:p>
+            <a:pPr algn="ctr"/>
+            <a:endParaRPr lang="en-US"/>
+          </a:p>
+        </p:txBody>
+      </p:sp>
+      <p:sp>
+        <p:nvSpPr>
+          <p:cNvPr id="2" name="タイトル 1">
+            <a:extLst>
+              <a:ext uri="{FF2B5EF4-FFF2-40B4-BE49-F238E27FC236}">
                 <a16:creationId xmlns:a16="http://schemas.microsoft.com/office/drawing/2014/main" id="{BCB7F391-25E1-46DF-B866-B1FEF59A2DC2}"/>
               </a:ext>
             </a:extLst>
@@ -8112,7 +9288,7 @@
 </p:sld>
 </file>
 
-<file path=ppt/slides/slide12.xml><?xml version="1.0" encoding="utf-8"?>
+<file path=ppt/slides/slide13.xml><?xml version="1.0" encoding="utf-8"?>
 <p:sld xmlns:a="http://schemas.openxmlformats.org/drawingml/2006/main" xmlns:r="http://schemas.openxmlformats.org/officeDocument/2006/relationships" xmlns:p="http://schemas.openxmlformats.org/presentationml/2006/main">
   <p:cSld>
     <p:spTree>
@@ -9731,41 +10907,36 @@
             <p:ph idx="1"/>
           </p:nvPr>
         </p:nvSpPr>
-        <p:spPr/>
+        <p:spPr>
+          <a:xfrm>
+            <a:off x="750368" y="2229495"/>
+            <a:ext cx="10691264" cy="2399009"/>
+          </a:xfrm>
+        </p:spPr>
         <p:txBody>
           <a:bodyPr/>
           <a:lstStyle/>
           <a:p>
+            <a:pPr>
+              <a:lnSpc>
+                <a:spcPct val="200000"/>
+              </a:lnSpc>
+            </a:pPr>
             <a:r>
               <a:rPr kumimoji="1" lang="ja-JP" altLang="en-US" sz="2400" dirty="0"/>
-              <a:t>飲み会で誰が何杯飲んだのかをカウントし、</a:t>
+              <a:t>飲み会で誰が何杯飲んだのかをカウントし、全体の割合を算出する</a:t>
             </a:r>
             <a:endParaRPr kumimoji="1" lang="en-US" altLang="ja-JP" sz="2400" dirty="0"/>
           </a:p>
           <a:p>
-            <a:pPr marL="0" indent="0">
-              <a:buNone/>
+            <a:pPr>
+              <a:lnSpc>
+                <a:spcPct val="200000"/>
+              </a:lnSpc>
             </a:pPr>
             <a:r>
               <a:rPr kumimoji="1" lang="ja-JP" altLang="en-US" sz="2400" dirty="0"/>
-              <a:t>　それをもとに割合を算出する機能</a:t>
-            </a:r>
-            <a:endParaRPr kumimoji="1" lang="en-US" altLang="ja-JP" sz="2400" dirty="0"/>
-          </a:p>
-          <a:p>
-            <a:r>
-              <a:rPr kumimoji="1" lang="ja-JP" altLang="en-US" sz="2400" dirty="0"/>
-              <a:t>また、飲み会で何杯飲んだのかの情報を</a:t>
-            </a:r>
-            <a:endParaRPr kumimoji="1" lang="en-US" altLang="ja-JP" sz="2400" dirty="0"/>
-          </a:p>
-          <a:p>
-            <a:pPr marL="0" indent="0">
-              <a:buNone/>
-            </a:pPr>
-            <a:r>
-              <a:rPr kumimoji="1" lang="ja-JP" altLang="en-US" sz="2400" dirty="0"/>
-              <a:t>　それぞれのユーザーに送信することが可能</a:t>
+              <a:t>飲み会での杯数情報をアプリ利用者ごとに記録する</a:t>
             </a:r>
             <a:endParaRPr kumimoji="1" lang="en-US" altLang="ja-JP" sz="2400" dirty="0"/>
           </a:p>
@@ -9806,155 +10977,1469 @@
       </p:grpSpPr>
       <p:sp>
         <p:nvSpPr>
-          <p:cNvPr id="2" name="タイトル 1">
-            <a:extLst>
-              <a:ext uri="{FF2B5EF4-FFF2-40B4-BE49-F238E27FC236}">
-                <a16:creationId xmlns:a16="http://schemas.microsoft.com/office/drawing/2014/main" id="{A558B4C3-218A-4BC8-A706-C95C3926907D}"/>
-              </a:ext>
-            </a:extLst>
-          </p:cNvPr>
-          <p:cNvSpPr>
-            <a:spLocks noGrp="1"/>
-          </p:cNvSpPr>
-          <p:nvPr>
-            <p:ph type="title"/>
-          </p:nvPr>
+          <p:cNvPr id="4" name="四角形: 角を丸くする 3">
+            <a:extLst>
+              <a:ext uri="{FF2B5EF4-FFF2-40B4-BE49-F238E27FC236}">
+                <a16:creationId xmlns:a16="http://schemas.microsoft.com/office/drawing/2014/main" id="{B8DF3765-B009-46DC-900D-7957A3E9A126}"/>
+              </a:ext>
+            </a:extLst>
+          </p:cNvPr>
+          <p:cNvSpPr/>
+          <p:nvPr/>
         </p:nvSpPr>
-        <p:spPr/>
+        <p:spPr>
+          <a:xfrm>
+            <a:off x="1475543" y="955783"/>
+            <a:ext cx="4073879" cy="511278"/>
+          </a:xfrm>
+          <a:prstGeom prst="roundRect">
+            <a:avLst/>
+          </a:prstGeom>
+          <a:solidFill>
+            <a:schemeClr val="bg2">
+              <a:lumMod val="90000"/>
+            </a:schemeClr>
+          </a:solidFill>
+        </p:spPr>
+        <p:style>
+          <a:lnRef idx="2">
+            <a:schemeClr val="accent3"/>
+          </a:lnRef>
+          <a:fillRef idx="1">
+            <a:schemeClr val="lt1"/>
+          </a:fillRef>
+          <a:effectRef idx="0">
+            <a:schemeClr val="accent3"/>
+          </a:effectRef>
+          <a:fontRef idx="minor">
+            <a:schemeClr val="dk1"/>
+          </a:fontRef>
+        </p:style>
         <p:txBody>
-          <a:bodyPr/>
+          <a:bodyPr rtlCol="0" anchor="ctr"/>
           <a:lstStyle/>
           <a:p>
+            <a:pPr algn="ctr"/>
             <a:r>
               <a:rPr kumimoji="1" lang="ja-JP" altLang="en-US" dirty="0"/>
-              <a:t>そのほかの機能</a:t>
-            </a:r>
+              <a:t>全体の人数</a:t>
+            </a:r>
+            <a:endParaRPr kumimoji="1" lang="en-US" altLang="ja-JP" dirty="0"/>
           </a:p>
         </p:txBody>
       </p:sp>
       <p:sp>
         <p:nvSpPr>
-          <p:cNvPr id="3" name="コンテンツ プレースホルダー 2">
-            <a:extLst>
-              <a:ext uri="{FF2B5EF4-FFF2-40B4-BE49-F238E27FC236}">
-                <a16:creationId xmlns:a16="http://schemas.microsoft.com/office/drawing/2014/main" id="{F9F7AB20-8931-40ED-9D31-2509F9563730}"/>
-              </a:ext>
-            </a:extLst>
-          </p:cNvPr>
-          <p:cNvSpPr>
-            <a:spLocks noGrp="1"/>
-          </p:cNvSpPr>
-          <p:nvPr>
-            <p:ph idx="1"/>
-          </p:nvPr>
+          <p:cNvPr id="5" name="四角形: 角を丸くする 4">
+            <a:extLst>
+              <a:ext uri="{FF2B5EF4-FFF2-40B4-BE49-F238E27FC236}">
+                <a16:creationId xmlns:a16="http://schemas.microsoft.com/office/drawing/2014/main" id="{5D089B28-0A15-49CC-8405-4569CE606AA1}"/>
+              </a:ext>
+            </a:extLst>
+          </p:cNvPr>
+          <p:cNvSpPr/>
+          <p:nvPr/>
         </p:nvSpPr>
-        <p:spPr/>
+        <p:spPr>
+          <a:xfrm>
+            <a:off x="1475543" y="1874492"/>
+            <a:ext cx="4073881" cy="511278"/>
+          </a:xfrm>
+          <a:prstGeom prst="roundRect">
+            <a:avLst/>
+          </a:prstGeom>
+          <a:solidFill>
+            <a:schemeClr val="bg2">
+              <a:lumMod val="90000"/>
+            </a:schemeClr>
+          </a:solidFill>
+        </p:spPr>
+        <p:style>
+          <a:lnRef idx="2">
+            <a:schemeClr val="accent3"/>
+          </a:lnRef>
+          <a:fillRef idx="1">
+            <a:schemeClr val="lt1"/>
+          </a:fillRef>
+          <a:effectRef idx="0">
+            <a:schemeClr val="accent3"/>
+          </a:effectRef>
+          <a:fontRef idx="minor">
+            <a:schemeClr val="dk1"/>
+          </a:fontRef>
+        </p:style>
         <p:txBody>
-          <a:bodyPr/>
+          <a:bodyPr rtlCol="0" anchor="ctr"/>
           <a:lstStyle/>
           <a:p>
-            <a:r>
-              <a:rPr kumimoji="1" lang="ja-JP" altLang="en-US" sz="2400" dirty="0"/>
-              <a:t>新規登録の際、年齢確認を行う</a:t>
-            </a:r>
-            <a:endParaRPr kumimoji="1" lang="en-US" altLang="ja-JP" sz="2400" dirty="0"/>
-          </a:p>
-          <a:p>
-            <a:r>
-              <a:rPr kumimoji="1" lang="ja-JP" altLang="en-US" sz="2400" dirty="0"/>
-              <a:t>お酒に対する体質とその日のコンデションを登録可能</a:t>
-            </a:r>
+            <a:pPr algn="ctr"/>
+            <a:r>
+              <a:rPr lang="ja-JP" altLang="en-US" dirty="0"/>
+              <a:t>アプリ利用者</a:t>
+            </a:r>
+            <a:r>
+              <a:rPr kumimoji="1" lang="ja-JP" altLang="en-US" dirty="0"/>
+              <a:t>の人数</a:t>
+            </a:r>
+            <a:endParaRPr kumimoji="1" lang="en-US" altLang="ja-JP" dirty="0"/>
           </a:p>
         </p:txBody>
       </p:sp>
-    </p:spTree>
-    <p:extLst>
-      <p:ext uri="{BB962C8B-B14F-4D97-AF65-F5344CB8AC3E}">
-        <p14:creationId xmlns:p14="http://schemas.microsoft.com/office/powerpoint/2010/main" val="452794983"/>
-      </p:ext>
-    </p:extLst>
-  </p:cSld>
-  <p:clrMapOvr>
-    <a:masterClrMapping/>
-  </p:clrMapOvr>
-</p:sld>
-</file>
-
-<file path=ppt/slides/slide9.xml><?xml version="1.0" encoding="utf-8"?>
-<p:sld xmlns:a="http://schemas.openxmlformats.org/drawingml/2006/main" xmlns:r="http://schemas.openxmlformats.org/officeDocument/2006/relationships" xmlns:p="http://schemas.openxmlformats.org/presentationml/2006/main">
-  <p:cSld>
-    <p:bg>
-      <p:bgPr>
-        <a:solidFill>
-          <a:schemeClr val="bg1"/>
-        </a:solidFill>
-        <a:effectLst/>
-      </p:bgPr>
-    </p:bg>
-    <p:spTree>
-      <p:nvGrpSpPr>
-        <p:cNvPr id="1" name=""/>
-        <p:cNvGrpSpPr/>
-        <p:nvPr/>
-      </p:nvGrpSpPr>
-      <p:grpSpPr>
-        <a:xfrm>
-          <a:off x="0" y="0"/>
-          <a:ext cx="0" cy="0"/>
-          <a:chOff x="0" y="0"/>
-          <a:chExt cx="0" cy="0"/>
-        </a:xfrm>
-      </p:grpSpPr>
-      <p:sp useBgFill="1">
+      <p:sp>
         <p:nvSpPr>
-          <p:cNvPr id="12" name="Rectangle 11">
-            <a:extLst>
-              <a:ext uri="{FF2B5EF4-FFF2-40B4-BE49-F238E27FC236}">
-                <a16:creationId xmlns:a16="http://schemas.microsoft.com/office/drawing/2014/main" id="{E49D7415-2F11-44C2-B6AA-13A25B6814B9}"/>
-              </a:ext>
-              <a:ext uri="{C183D7F6-B498-43B3-948B-1728B52AA6E4}">
-                <adec:decorative xmlns:adec="http://schemas.microsoft.com/office/drawing/2017/decorative" val="1"/>
-              </a:ext>
-            </a:extLst>
-          </p:cNvPr>
-          <p:cNvSpPr>
-            <a:spLocks noGrp="1" noRot="1" noChangeAspect="1" noMove="1" noResize="1" noEditPoints="1" noAdjustHandles="1" noChangeArrowheads="1" noChangeShapeType="1" noTextEdit="1"/>
-          </p:cNvSpPr>
+          <p:cNvPr id="6" name="四角形: 角を丸くする 5">
+            <a:extLst>
+              <a:ext uri="{FF2B5EF4-FFF2-40B4-BE49-F238E27FC236}">
+                <a16:creationId xmlns:a16="http://schemas.microsoft.com/office/drawing/2014/main" id="{70898ECE-67D7-479A-BE8B-C994EC1680A7}"/>
+              </a:ext>
+            </a:extLst>
+          </p:cNvPr>
+          <p:cNvSpPr/>
+          <p:nvPr/>
+        </p:nvSpPr>
+        <p:spPr>
+          <a:xfrm>
+            <a:off x="1475543" y="2793201"/>
+            <a:ext cx="4073883" cy="511278"/>
+          </a:xfrm>
+          <a:prstGeom prst="roundRect">
+            <a:avLst/>
+          </a:prstGeom>
+          <a:solidFill>
+            <a:schemeClr val="bg2">
+              <a:lumMod val="90000"/>
+            </a:schemeClr>
+          </a:solidFill>
+        </p:spPr>
+        <p:style>
+          <a:lnRef idx="2">
+            <a:schemeClr val="accent3"/>
+          </a:lnRef>
+          <a:fillRef idx="1">
+            <a:schemeClr val="lt1"/>
+          </a:fillRef>
+          <a:effectRef idx="0">
+            <a:schemeClr val="accent3"/>
+          </a:effectRef>
+          <a:fontRef idx="minor">
+            <a:schemeClr val="dk1"/>
+          </a:fontRef>
+        </p:style>
+        <p:txBody>
+          <a:bodyPr rtlCol="0" anchor="ctr"/>
+          <a:lstStyle/>
+          <a:p>
+            <a:pPr algn="ctr"/>
+            <a:r>
+              <a:rPr lang="ja-JP" altLang="en-US" dirty="0"/>
+              <a:t>アプリ利用者</a:t>
+            </a:r>
+            <a:r>
+              <a:rPr kumimoji="1" lang="ja-JP" altLang="en-US" dirty="0"/>
+              <a:t>の一致判定</a:t>
+            </a:r>
+            <a:endParaRPr kumimoji="1" lang="en-US" altLang="ja-JP" dirty="0"/>
+          </a:p>
+        </p:txBody>
+      </p:sp>
+      <p:sp>
+        <p:nvSpPr>
+          <p:cNvPr id="7" name="四角形: 角を丸くする 6">
+            <a:extLst>
+              <a:ext uri="{FF2B5EF4-FFF2-40B4-BE49-F238E27FC236}">
+                <a16:creationId xmlns:a16="http://schemas.microsoft.com/office/drawing/2014/main" id="{92D2C872-0F66-4175-8F70-4198937EBCD1}"/>
+              </a:ext>
+            </a:extLst>
+          </p:cNvPr>
+          <p:cNvSpPr/>
+          <p:nvPr/>
+        </p:nvSpPr>
+        <p:spPr>
+          <a:xfrm>
+            <a:off x="1475543" y="3711910"/>
+            <a:ext cx="4073879" cy="511278"/>
+          </a:xfrm>
+          <a:prstGeom prst="roundRect">
+            <a:avLst/>
+          </a:prstGeom>
+          <a:solidFill>
+            <a:schemeClr val="bg2">
+              <a:lumMod val="90000"/>
+            </a:schemeClr>
+          </a:solidFill>
+        </p:spPr>
+        <p:style>
+          <a:lnRef idx="2">
+            <a:schemeClr val="accent3"/>
+          </a:lnRef>
+          <a:fillRef idx="1">
+            <a:schemeClr val="lt1"/>
+          </a:fillRef>
+          <a:effectRef idx="0">
+            <a:schemeClr val="accent3"/>
+          </a:effectRef>
+          <a:fontRef idx="minor">
+            <a:schemeClr val="dk1"/>
+          </a:fontRef>
+        </p:style>
+        <p:txBody>
+          <a:bodyPr rtlCol="0" anchor="ctr"/>
+          <a:lstStyle/>
+          <a:p>
+            <a:pPr algn="ctr"/>
+            <a:r>
+              <a:rPr kumimoji="1" lang="ja-JP" altLang="en-US" dirty="0"/>
+              <a:t>全員分の杯数カウント</a:t>
+            </a:r>
+            <a:endParaRPr kumimoji="1" lang="en-US" altLang="ja-JP" dirty="0"/>
+          </a:p>
+        </p:txBody>
+      </p:sp>
+      <p:sp>
+        <p:nvSpPr>
+          <p:cNvPr id="8" name="四角形: 角を丸くする 7">
+            <a:extLst>
+              <a:ext uri="{FF2B5EF4-FFF2-40B4-BE49-F238E27FC236}">
+                <a16:creationId xmlns:a16="http://schemas.microsoft.com/office/drawing/2014/main" id="{CEAF2650-3EAB-4F28-A86F-0193BF8C5BD0}"/>
+              </a:ext>
+            </a:extLst>
+          </p:cNvPr>
+          <p:cNvSpPr/>
+          <p:nvPr/>
+        </p:nvSpPr>
+        <p:spPr>
+          <a:xfrm>
+            <a:off x="1475543" y="4626314"/>
+            <a:ext cx="4073879" cy="511278"/>
+          </a:xfrm>
+          <a:prstGeom prst="roundRect">
+            <a:avLst/>
+          </a:prstGeom>
+          <a:solidFill>
+            <a:schemeClr val="bg2">
+              <a:lumMod val="90000"/>
+            </a:schemeClr>
+          </a:solidFill>
+        </p:spPr>
+        <p:style>
+          <a:lnRef idx="2">
+            <a:schemeClr val="accent3"/>
+          </a:lnRef>
+          <a:fillRef idx="1">
+            <a:schemeClr val="lt1"/>
+          </a:fillRef>
+          <a:effectRef idx="0">
+            <a:schemeClr val="accent3"/>
+          </a:effectRef>
+          <a:fontRef idx="minor">
+            <a:schemeClr val="dk1"/>
+          </a:fontRef>
+        </p:style>
+        <p:txBody>
+          <a:bodyPr rtlCol="0" anchor="ctr"/>
+          <a:lstStyle/>
+          <a:p>
+            <a:pPr algn="ctr"/>
+            <a:r>
+              <a:rPr lang="ja-JP" altLang="en-US" dirty="0"/>
+              <a:t>全員分の杯数割合の表示</a:t>
+            </a:r>
+            <a:endParaRPr kumimoji="1" lang="en-US" altLang="ja-JP" dirty="0"/>
+          </a:p>
+        </p:txBody>
+      </p:sp>
+      <p:sp>
+        <p:nvSpPr>
+          <p:cNvPr id="9" name="四角形: 角を丸くする 8">
+            <a:extLst>
+              <a:ext uri="{FF2B5EF4-FFF2-40B4-BE49-F238E27FC236}">
+                <a16:creationId xmlns:a16="http://schemas.microsoft.com/office/drawing/2014/main" id="{44C9B381-FA03-4F4F-B963-849ACAF2F9BE}"/>
+              </a:ext>
+            </a:extLst>
+          </p:cNvPr>
+          <p:cNvSpPr/>
+          <p:nvPr/>
+        </p:nvSpPr>
+        <p:spPr>
+          <a:xfrm>
+            <a:off x="1475543" y="5540718"/>
+            <a:ext cx="4073879" cy="511279"/>
+          </a:xfrm>
+          <a:prstGeom prst="roundRect">
+            <a:avLst/>
+          </a:prstGeom>
+          <a:solidFill>
+            <a:schemeClr val="bg2">
+              <a:lumMod val="90000"/>
+            </a:schemeClr>
+          </a:solidFill>
+        </p:spPr>
+        <p:style>
+          <a:lnRef idx="2">
+            <a:schemeClr val="accent3"/>
+          </a:lnRef>
+          <a:fillRef idx="1">
+            <a:schemeClr val="lt1"/>
+          </a:fillRef>
+          <a:effectRef idx="0">
+            <a:schemeClr val="accent3"/>
+          </a:effectRef>
+          <a:fontRef idx="minor">
+            <a:schemeClr val="dk1"/>
+          </a:fontRef>
+        </p:style>
+        <p:txBody>
+          <a:bodyPr rtlCol="0" anchor="ctr"/>
+          <a:lstStyle/>
+          <a:p>
+            <a:pPr algn="ctr"/>
+            <a:r>
+              <a:rPr lang="ja-JP" altLang="en-US" dirty="0"/>
+              <a:t>アプリ利用者</a:t>
+            </a:r>
+            <a:r>
+              <a:rPr kumimoji="1" lang="ja-JP" altLang="en-US" dirty="0"/>
+              <a:t>の杯数情報を</a:t>
+            </a:r>
+            <a:r>
+              <a:rPr kumimoji="1" lang="en-US" altLang="ja-JP" dirty="0"/>
+              <a:t>DB</a:t>
+            </a:r>
+            <a:r>
+              <a:rPr kumimoji="1" lang="ja-JP" altLang="en-US" dirty="0"/>
+              <a:t>に格納</a:t>
+            </a:r>
+            <a:endParaRPr kumimoji="1" lang="en-US" altLang="ja-JP" dirty="0"/>
+          </a:p>
+        </p:txBody>
+      </p:sp>
+      <p:sp>
+        <p:nvSpPr>
+          <p:cNvPr id="12" name="矢印: 右 11">
+            <a:extLst>
+              <a:ext uri="{FF2B5EF4-FFF2-40B4-BE49-F238E27FC236}">
+                <a16:creationId xmlns:a16="http://schemas.microsoft.com/office/drawing/2014/main" id="{5952E2D4-A4A1-445D-A3D8-9CB537060987}"/>
+              </a:ext>
+            </a:extLst>
+          </p:cNvPr>
+          <p:cNvSpPr/>
+          <p:nvPr/>
+        </p:nvSpPr>
+        <p:spPr>
+          <a:xfrm rot="5400000">
+            <a:off x="3300683" y="1374659"/>
+            <a:ext cx="407432" cy="592241"/>
+          </a:xfrm>
+          <a:prstGeom prst="rightArrow">
+            <a:avLst>
+              <a:gd name="adj1" fmla="val 50000"/>
+              <a:gd name="adj2" fmla="val 60000"/>
+            </a:avLst>
+          </a:prstGeom>
+        </p:spPr>
+        <p:style>
+          <a:lnRef idx="2">
+            <a:schemeClr val="accent3">
+              <a:shade val="50000"/>
+            </a:schemeClr>
+          </a:lnRef>
+          <a:fillRef idx="1">
+            <a:schemeClr val="accent3"/>
+          </a:fillRef>
+          <a:effectRef idx="0">
+            <a:schemeClr val="accent3"/>
+          </a:effectRef>
+          <a:fontRef idx="minor">
+            <a:schemeClr val="lt1"/>
+          </a:fontRef>
+        </p:style>
+        <p:txBody>
+          <a:bodyPr rtlCol="0" anchor="ctr"/>
+          <a:lstStyle/>
+          <a:p>
+            <a:pPr algn="ctr"/>
+            <a:endParaRPr kumimoji="1" lang="ja-JP" altLang="en-US"/>
+          </a:p>
+        </p:txBody>
+      </p:sp>
+      <p:sp>
+        <p:nvSpPr>
+          <p:cNvPr id="14" name="矢印: 右 13">
+            <a:extLst>
+              <a:ext uri="{FF2B5EF4-FFF2-40B4-BE49-F238E27FC236}">
+                <a16:creationId xmlns:a16="http://schemas.microsoft.com/office/drawing/2014/main" id="{15148D9D-DEDE-41CB-8FA5-E166E1F9DC19}"/>
+              </a:ext>
+            </a:extLst>
+          </p:cNvPr>
+          <p:cNvSpPr/>
+          <p:nvPr/>
+        </p:nvSpPr>
+        <p:spPr>
+          <a:xfrm rot="5400000">
+            <a:off x="3300684" y="2293366"/>
+            <a:ext cx="407431" cy="592241"/>
+          </a:xfrm>
+          <a:prstGeom prst="rightArrow">
+            <a:avLst>
+              <a:gd name="adj1" fmla="val 50000"/>
+              <a:gd name="adj2" fmla="val 61015"/>
+            </a:avLst>
+          </a:prstGeom>
+        </p:spPr>
+        <p:style>
+          <a:lnRef idx="2">
+            <a:schemeClr val="accent3">
+              <a:shade val="50000"/>
+            </a:schemeClr>
+          </a:lnRef>
+          <a:fillRef idx="1">
+            <a:schemeClr val="accent3"/>
+          </a:fillRef>
+          <a:effectRef idx="0">
+            <a:schemeClr val="accent3"/>
+          </a:effectRef>
+          <a:fontRef idx="minor">
+            <a:schemeClr val="lt1"/>
+          </a:fontRef>
+        </p:style>
+        <p:txBody>
+          <a:bodyPr rtlCol="0" anchor="ctr"/>
+          <a:lstStyle/>
+          <a:p>
+            <a:pPr algn="ctr"/>
+            <a:endParaRPr kumimoji="1" lang="ja-JP" altLang="en-US"/>
+          </a:p>
+        </p:txBody>
+      </p:sp>
+      <p:sp>
+        <p:nvSpPr>
+          <p:cNvPr id="15" name="矢印: 右 14">
+            <a:extLst>
+              <a:ext uri="{FF2B5EF4-FFF2-40B4-BE49-F238E27FC236}">
+                <a16:creationId xmlns:a16="http://schemas.microsoft.com/office/drawing/2014/main" id="{6AA92252-1380-4263-B8DB-FDAC46B13D73}"/>
+              </a:ext>
+            </a:extLst>
+          </p:cNvPr>
+          <p:cNvSpPr/>
+          <p:nvPr/>
+        </p:nvSpPr>
+        <p:spPr>
+          <a:xfrm rot="5400000">
+            <a:off x="3300684" y="3220018"/>
+            <a:ext cx="407431" cy="592241"/>
+          </a:xfrm>
+          <a:prstGeom prst="rightArrow">
+            <a:avLst>
+              <a:gd name="adj1" fmla="val 50000"/>
+              <a:gd name="adj2" fmla="val 61015"/>
+            </a:avLst>
+          </a:prstGeom>
+        </p:spPr>
+        <p:style>
+          <a:lnRef idx="2">
+            <a:schemeClr val="accent3">
+              <a:shade val="50000"/>
+            </a:schemeClr>
+          </a:lnRef>
+          <a:fillRef idx="1">
+            <a:schemeClr val="accent3"/>
+          </a:fillRef>
+          <a:effectRef idx="0">
+            <a:schemeClr val="accent3"/>
+          </a:effectRef>
+          <a:fontRef idx="minor">
+            <a:schemeClr val="lt1"/>
+          </a:fontRef>
+        </p:style>
+        <p:txBody>
+          <a:bodyPr rtlCol="0" anchor="ctr"/>
+          <a:lstStyle/>
+          <a:p>
+            <a:pPr algn="ctr"/>
+            <a:endParaRPr kumimoji="1" lang="ja-JP" altLang="en-US"/>
+          </a:p>
+        </p:txBody>
+      </p:sp>
+      <p:sp>
+        <p:nvSpPr>
+          <p:cNvPr id="16" name="矢印: 右 15">
+            <a:extLst>
+              <a:ext uri="{FF2B5EF4-FFF2-40B4-BE49-F238E27FC236}">
+                <a16:creationId xmlns:a16="http://schemas.microsoft.com/office/drawing/2014/main" id="{884ABB0E-091D-42AF-95FA-237609267A7C}"/>
+              </a:ext>
+            </a:extLst>
+          </p:cNvPr>
+          <p:cNvSpPr/>
+          <p:nvPr/>
+        </p:nvSpPr>
+        <p:spPr>
+          <a:xfrm rot="5400000">
+            <a:off x="3303294" y="4132603"/>
+            <a:ext cx="407431" cy="592241"/>
+          </a:xfrm>
+          <a:prstGeom prst="rightArrow">
+            <a:avLst>
+              <a:gd name="adj1" fmla="val 50000"/>
+              <a:gd name="adj2" fmla="val 61015"/>
+            </a:avLst>
+          </a:prstGeom>
+        </p:spPr>
+        <p:style>
+          <a:lnRef idx="2">
+            <a:schemeClr val="accent3">
+              <a:shade val="50000"/>
+            </a:schemeClr>
+          </a:lnRef>
+          <a:fillRef idx="1">
+            <a:schemeClr val="accent3"/>
+          </a:fillRef>
+          <a:effectRef idx="0">
+            <a:schemeClr val="accent3"/>
+          </a:effectRef>
+          <a:fontRef idx="minor">
+            <a:schemeClr val="lt1"/>
+          </a:fontRef>
+        </p:style>
+        <p:txBody>
+          <a:bodyPr rtlCol="0" anchor="ctr"/>
+          <a:lstStyle/>
+          <a:p>
+            <a:pPr algn="ctr"/>
+            <a:endParaRPr kumimoji="1" lang="ja-JP" altLang="en-US"/>
+          </a:p>
+        </p:txBody>
+      </p:sp>
+      <p:sp>
+        <p:nvSpPr>
+          <p:cNvPr id="17" name="矢印: 右 16">
+            <a:extLst>
+              <a:ext uri="{FF2B5EF4-FFF2-40B4-BE49-F238E27FC236}">
+                <a16:creationId xmlns:a16="http://schemas.microsoft.com/office/drawing/2014/main" id="{42C1F3CA-5D02-4F8D-B58C-A7BA9692A555}"/>
+              </a:ext>
+            </a:extLst>
+          </p:cNvPr>
+          <p:cNvSpPr/>
+          <p:nvPr/>
+        </p:nvSpPr>
+        <p:spPr>
+          <a:xfrm rot="5400000">
+            <a:off x="3300683" y="5047008"/>
+            <a:ext cx="407433" cy="592241"/>
+          </a:xfrm>
+          <a:prstGeom prst="rightArrow">
+            <a:avLst>
+              <a:gd name="adj1" fmla="val 50000"/>
+              <a:gd name="adj2" fmla="val 61015"/>
+            </a:avLst>
+          </a:prstGeom>
+        </p:spPr>
+        <p:style>
+          <a:lnRef idx="2">
+            <a:schemeClr val="accent3">
+              <a:shade val="50000"/>
+            </a:schemeClr>
+          </a:lnRef>
+          <a:fillRef idx="1">
+            <a:schemeClr val="accent3"/>
+          </a:fillRef>
+          <a:effectRef idx="0">
+            <a:schemeClr val="accent3"/>
+          </a:effectRef>
+          <a:fontRef idx="minor">
+            <a:schemeClr val="lt1"/>
+          </a:fontRef>
+        </p:style>
+        <p:txBody>
+          <a:bodyPr rtlCol="0" anchor="ctr"/>
+          <a:lstStyle/>
+          <a:p>
+            <a:pPr algn="ctr"/>
+            <a:endParaRPr kumimoji="1" lang="ja-JP" altLang="en-US"/>
+          </a:p>
+        </p:txBody>
+      </p:sp>
+      <p:sp>
+        <p:nvSpPr>
+          <p:cNvPr id="19" name="楕円 18">
+            <a:extLst>
+              <a:ext uri="{FF2B5EF4-FFF2-40B4-BE49-F238E27FC236}">
+                <a16:creationId xmlns:a16="http://schemas.microsoft.com/office/drawing/2014/main" id="{7812E924-C136-400A-9065-11CE6D49553B}"/>
+              </a:ext>
+            </a:extLst>
+          </p:cNvPr>
+          <p:cNvSpPr/>
+          <p:nvPr/>
+        </p:nvSpPr>
+        <p:spPr>
+          <a:xfrm>
+            <a:off x="8082634" y="994512"/>
+            <a:ext cx="1189171" cy="511278"/>
+          </a:xfrm>
+          <a:prstGeom prst="ellipse">
+            <a:avLst/>
+          </a:prstGeom>
+          <a:solidFill>
+            <a:schemeClr val="accent6">
+              <a:lumMod val="20000"/>
+              <a:lumOff val="80000"/>
+            </a:schemeClr>
+          </a:solidFill>
+        </p:spPr>
+        <p:style>
+          <a:lnRef idx="2">
+            <a:schemeClr val="accent4"/>
+          </a:lnRef>
+          <a:fillRef idx="1">
+            <a:schemeClr val="lt1"/>
+          </a:fillRef>
+          <a:effectRef idx="0">
+            <a:schemeClr val="accent4"/>
+          </a:effectRef>
+          <a:fontRef idx="minor">
+            <a:schemeClr val="dk1"/>
+          </a:fontRef>
+        </p:style>
+        <p:txBody>
+          <a:bodyPr rtlCol="0" anchor="ctr"/>
+          <a:lstStyle/>
+          <a:p>
+            <a:pPr algn="ctr"/>
+            <a:r>
+              <a:rPr kumimoji="1" lang="en-US" altLang="ja-JP" dirty="0"/>
+              <a:t>4</a:t>
+            </a:r>
+            <a:r>
+              <a:rPr kumimoji="1" lang="ja-JP" altLang="en-US" dirty="0"/>
+              <a:t>人</a:t>
+            </a:r>
+          </a:p>
+        </p:txBody>
+      </p:sp>
+      <p:sp>
+        <p:nvSpPr>
+          <p:cNvPr id="20" name="楕円 19">
+            <a:extLst>
+              <a:ext uri="{FF2B5EF4-FFF2-40B4-BE49-F238E27FC236}">
+                <a16:creationId xmlns:a16="http://schemas.microsoft.com/office/drawing/2014/main" id="{B233B79B-8B64-4EF5-93EC-1C90DE13C28F}"/>
+              </a:ext>
+            </a:extLst>
+          </p:cNvPr>
+          <p:cNvSpPr/>
+          <p:nvPr/>
+        </p:nvSpPr>
+        <p:spPr>
+          <a:xfrm>
+            <a:off x="7105025" y="2812094"/>
+            <a:ext cx="3144388" cy="511278"/>
+          </a:xfrm>
+          <a:prstGeom prst="ellipse">
+            <a:avLst/>
+          </a:prstGeom>
+          <a:solidFill>
+            <a:schemeClr val="accent6">
+              <a:lumMod val="20000"/>
+              <a:lumOff val="80000"/>
+            </a:schemeClr>
+          </a:solidFill>
+        </p:spPr>
+        <p:style>
+          <a:lnRef idx="2">
+            <a:schemeClr val="accent4"/>
+          </a:lnRef>
+          <a:fillRef idx="1">
+            <a:schemeClr val="lt1"/>
+          </a:fillRef>
+          <a:effectRef idx="0">
+            <a:schemeClr val="accent4"/>
+          </a:effectRef>
+          <a:fontRef idx="minor">
+            <a:schemeClr val="dk1"/>
+          </a:fontRef>
+        </p:style>
+        <p:txBody>
+          <a:bodyPr rtlCol="0" anchor="ctr"/>
+          <a:lstStyle/>
+          <a:p>
+            <a:pPr algn="ctr"/>
+            <a:r>
+              <a:rPr kumimoji="1" lang="ja-JP" altLang="en-US" sz="1600" dirty="0"/>
+              <a:t>名前と生年月日を</a:t>
+            </a:r>
+            <a:r>
+              <a:rPr lang="ja-JP" altLang="en-US" sz="1600" dirty="0"/>
+              <a:t>入力</a:t>
+            </a:r>
+            <a:endParaRPr kumimoji="1" lang="ja-JP" altLang="en-US" sz="1600" dirty="0"/>
+          </a:p>
+        </p:txBody>
+      </p:sp>
+      <p:sp>
+        <p:nvSpPr>
+          <p:cNvPr id="21" name="楕円 20">
+            <a:extLst>
+              <a:ext uri="{FF2B5EF4-FFF2-40B4-BE49-F238E27FC236}">
+                <a16:creationId xmlns:a16="http://schemas.microsoft.com/office/drawing/2014/main" id="{E6906CAA-36DE-4210-830A-D4B0A3A193E1}"/>
+              </a:ext>
+            </a:extLst>
+          </p:cNvPr>
+          <p:cNvSpPr/>
+          <p:nvPr/>
+        </p:nvSpPr>
+        <p:spPr>
+          <a:xfrm>
+            <a:off x="8082633" y="1876327"/>
+            <a:ext cx="1189171" cy="511278"/>
+          </a:xfrm>
+          <a:prstGeom prst="ellipse">
+            <a:avLst/>
+          </a:prstGeom>
+          <a:solidFill>
+            <a:schemeClr val="accent6">
+              <a:lumMod val="20000"/>
+              <a:lumOff val="80000"/>
+            </a:schemeClr>
+          </a:solidFill>
+        </p:spPr>
+        <p:style>
+          <a:lnRef idx="2">
+            <a:schemeClr val="accent4"/>
+          </a:lnRef>
+          <a:fillRef idx="1">
+            <a:schemeClr val="lt1"/>
+          </a:fillRef>
+          <a:effectRef idx="0">
+            <a:schemeClr val="accent4"/>
+          </a:effectRef>
+          <a:fontRef idx="minor">
+            <a:schemeClr val="dk1"/>
+          </a:fontRef>
+        </p:style>
+        <p:txBody>
+          <a:bodyPr rtlCol="0" anchor="ctr"/>
+          <a:lstStyle/>
+          <a:p>
+            <a:pPr algn="ctr"/>
+            <a:r>
+              <a:rPr kumimoji="1" lang="en-US" altLang="ja-JP" dirty="0"/>
+              <a:t>2</a:t>
+            </a:r>
+            <a:r>
+              <a:rPr kumimoji="1" lang="ja-JP" altLang="en-US" dirty="0"/>
+              <a:t>人</a:t>
+            </a:r>
+          </a:p>
+        </p:txBody>
+      </p:sp>
+      <p:sp>
+        <p:nvSpPr>
+          <p:cNvPr id="22" name="楕円 21">
+            <a:extLst>
+              <a:ext uri="{FF2B5EF4-FFF2-40B4-BE49-F238E27FC236}">
+                <a16:creationId xmlns:a16="http://schemas.microsoft.com/office/drawing/2014/main" id="{0DD71058-AB5C-4EE6-9635-C47D27AA8836}"/>
+              </a:ext>
+            </a:extLst>
+          </p:cNvPr>
+          <p:cNvSpPr/>
+          <p:nvPr/>
+        </p:nvSpPr>
+        <p:spPr>
+          <a:xfrm>
+            <a:off x="7534791" y="3622925"/>
+            <a:ext cx="1001741" cy="580109"/>
+          </a:xfrm>
+          <a:prstGeom prst="ellipse">
+            <a:avLst/>
+          </a:prstGeom>
+          <a:solidFill>
+            <a:schemeClr val="accent6">
+              <a:lumMod val="20000"/>
+              <a:lumOff val="80000"/>
+            </a:schemeClr>
+          </a:solidFill>
+        </p:spPr>
+        <p:style>
+          <a:lnRef idx="2">
+            <a:schemeClr val="accent4"/>
+          </a:lnRef>
+          <a:fillRef idx="1">
+            <a:schemeClr val="lt1"/>
+          </a:fillRef>
+          <a:effectRef idx="0">
+            <a:schemeClr val="accent4"/>
+          </a:effectRef>
+          <a:fontRef idx="minor">
+            <a:schemeClr val="dk1"/>
+          </a:fontRef>
+        </p:style>
+        <p:txBody>
+          <a:bodyPr rtlCol="0" anchor="ctr"/>
+          <a:lstStyle/>
+          <a:p>
+            <a:pPr algn="ctr"/>
+            <a:r>
+              <a:rPr lang="en-US" altLang="ja-JP" sz="1400" dirty="0" err="1"/>
+              <a:t>chuan</a:t>
+            </a:r>
+            <a:endParaRPr lang="en-US" altLang="ja-JP" sz="1400" dirty="0"/>
+          </a:p>
+          <a:p>
+            <a:pPr algn="ctr"/>
+            <a:r>
+              <a:rPr lang="en-US" altLang="ja-JP" sz="1400" dirty="0"/>
+              <a:t>3</a:t>
+            </a:r>
+            <a:r>
+              <a:rPr lang="ja-JP" altLang="en-US" sz="1400" dirty="0"/>
+              <a:t>杯</a:t>
+            </a:r>
+            <a:endParaRPr kumimoji="1" lang="ja-JP" altLang="en-US" sz="1400" dirty="0"/>
+          </a:p>
+        </p:txBody>
+      </p:sp>
+      <p:sp>
+        <p:nvSpPr>
+          <p:cNvPr id="26" name="楕円 25">
+            <a:extLst>
+              <a:ext uri="{FF2B5EF4-FFF2-40B4-BE49-F238E27FC236}">
+                <a16:creationId xmlns:a16="http://schemas.microsoft.com/office/drawing/2014/main" id="{CAF1516A-7699-4C83-82EF-67F2B438F7EB}"/>
+              </a:ext>
+            </a:extLst>
+          </p:cNvPr>
+          <p:cNvSpPr/>
+          <p:nvPr/>
+        </p:nvSpPr>
+        <p:spPr>
+          <a:xfrm>
+            <a:off x="6237585" y="3622926"/>
+            <a:ext cx="1001741" cy="580109"/>
+          </a:xfrm>
+          <a:prstGeom prst="ellipse">
+            <a:avLst/>
+          </a:prstGeom>
+          <a:solidFill>
+            <a:schemeClr val="accent6">
+              <a:lumMod val="20000"/>
+              <a:lumOff val="80000"/>
+            </a:schemeClr>
+          </a:solidFill>
+        </p:spPr>
+        <p:style>
+          <a:lnRef idx="2">
+            <a:schemeClr val="accent4"/>
+          </a:lnRef>
+          <a:fillRef idx="1">
+            <a:schemeClr val="lt1"/>
+          </a:fillRef>
+          <a:effectRef idx="0">
+            <a:schemeClr val="accent4"/>
+          </a:effectRef>
+          <a:fontRef idx="minor">
+            <a:schemeClr val="dk1"/>
+          </a:fontRef>
+        </p:style>
+        <p:txBody>
+          <a:bodyPr rtlCol="0" anchor="ctr"/>
+          <a:lstStyle/>
+          <a:p>
+            <a:pPr algn="ctr"/>
+            <a:r>
+              <a:rPr lang="en-US" altLang="ja-JP" sz="1400" dirty="0" err="1"/>
+              <a:t>yasuo</a:t>
+            </a:r>
+            <a:endParaRPr lang="en-US" altLang="ja-JP" sz="1400" dirty="0"/>
+          </a:p>
+          <a:p>
+            <a:pPr algn="ctr"/>
+            <a:r>
+              <a:rPr lang="en-US" altLang="ja-JP" sz="1400" dirty="0"/>
+              <a:t>2</a:t>
+            </a:r>
+            <a:r>
+              <a:rPr lang="ja-JP" altLang="en-US" sz="1400" dirty="0"/>
+              <a:t>杯</a:t>
+            </a:r>
+            <a:endParaRPr kumimoji="1" lang="ja-JP" altLang="en-US" sz="1400" dirty="0"/>
+          </a:p>
+        </p:txBody>
+      </p:sp>
+      <p:sp>
+        <p:nvSpPr>
+          <p:cNvPr id="27" name="楕円 26">
+            <a:extLst>
+              <a:ext uri="{FF2B5EF4-FFF2-40B4-BE49-F238E27FC236}">
+                <a16:creationId xmlns:a16="http://schemas.microsoft.com/office/drawing/2014/main" id="{AC4F9667-41E6-401B-B894-E3737C12D4C2}"/>
+              </a:ext>
+            </a:extLst>
+          </p:cNvPr>
+          <p:cNvSpPr/>
+          <p:nvPr/>
+        </p:nvSpPr>
+        <p:spPr>
+          <a:xfrm>
+            <a:off x="8782509" y="3622925"/>
+            <a:ext cx="1131023" cy="580109"/>
+          </a:xfrm>
+          <a:prstGeom prst="ellipse">
+            <a:avLst/>
+          </a:prstGeom>
+          <a:solidFill>
+            <a:schemeClr val="accent6">
+              <a:lumMod val="20000"/>
+              <a:lumOff val="80000"/>
+            </a:schemeClr>
+          </a:solidFill>
+        </p:spPr>
+        <p:style>
+          <a:lnRef idx="2">
+            <a:schemeClr val="accent4"/>
+          </a:lnRef>
+          <a:fillRef idx="1">
+            <a:schemeClr val="lt1"/>
+          </a:fillRef>
+          <a:effectRef idx="0">
+            <a:schemeClr val="accent4"/>
+          </a:effectRef>
+          <a:fontRef idx="minor">
+            <a:schemeClr val="dk1"/>
+          </a:fontRef>
+        </p:style>
+        <p:txBody>
+          <a:bodyPr rtlCol="0" anchor="ctr"/>
+          <a:lstStyle/>
+          <a:p>
+            <a:pPr algn="ctr"/>
+            <a:r>
+              <a:rPr lang="en-US" altLang="ja-JP" sz="1400" dirty="0"/>
+              <a:t>guest1</a:t>
+            </a:r>
+          </a:p>
+          <a:p>
+            <a:pPr algn="ctr"/>
+            <a:r>
+              <a:rPr lang="en-US" altLang="ja-JP" sz="1400" dirty="0"/>
+              <a:t>1</a:t>
+            </a:r>
+            <a:r>
+              <a:rPr lang="ja-JP" altLang="en-US" sz="1400" dirty="0"/>
+              <a:t>杯</a:t>
+            </a:r>
+            <a:endParaRPr kumimoji="1" lang="ja-JP" altLang="en-US" sz="1400" dirty="0"/>
+          </a:p>
+        </p:txBody>
+      </p:sp>
+      <p:sp>
+        <p:nvSpPr>
+          <p:cNvPr id="28" name="楕円 27">
+            <a:extLst>
+              <a:ext uri="{FF2B5EF4-FFF2-40B4-BE49-F238E27FC236}">
+                <a16:creationId xmlns:a16="http://schemas.microsoft.com/office/drawing/2014/main" id="{4BD5A0BE-755B-4995-A49D-BA77DECB322C}"/>
+              </a:ext>
+            </a:extLst>
+          </p:cNvPr>
+          <p:cNvSpPr/>
+          <p:nvPr/>
+        </p:nvSpPr>
+        <p:spPr>
+          <a:xfrm>
+            <a:off x="10159510" y="3622926"/>
+            <a:ext cx="1131023" cy="580109"/>
+          </a:xfrm>
+          <a:prstGeom prst="ellipse">
+            <a:avLst/>
+          </a:prstGeom>
+          <a:solidFill>
+            <a:schemeClr val="accent6">
+              <a:lumMod val="20000"/>
+              <a:lumOff val="80000"/>
+            </a:schemeClr>
+          </a:solidFill>
+        </p:spPr>
+        <p:style>
+          <a:lnRef idx="2">
+            <a:schemeClr val="accent4"/>
+          </a:lnRef>
+          <a:fillRef idx="1">
+            <a:schemeClr val="lt1"/>
+          </a:fillRef>
+          <a:effectRef idx="0">
+            <a:schemeClr val="accent4"/>
+          </a:effectRef>
+          <a:fontRef idx="minor">
+            <a:schemeClr val="dk1"/>
+          </a:fontRef>
+        </p:style>
+        <p:txBody>
+          <a:bodyPr rtlCol="0" anchor="ctr"/>
+          <a:lstStyle/>
+          <a:p>
+            <a:pPr algn="ctr"/>
+            <a:r>
+              <a:rPr lang="en-US" altLang="ja-JP" sz="1400" dirty="0"/>
+              <a:t>guest2</a:t>
+            </a:r>
+          </a:p>
+          <a:p>
+            <a:pPr algn="ctr"/>
+            <a:r>
+              <a:rPr lang="en-US" altLang="ja-JP" sz="1400" dirty="0"/>
+              <a:t>2</a:t>
+            </a:r>
+            <a:r>
+              <a:rPr lang="ja-JP" altLang="en-US" sz="1400" dirty="0"/>
+              <a:t>杯</a:t>
+            </a:r>
+            <a:endParaRPr kumimoji="1" lang="ja-JP" altLang="en-US" sz="1400" dirty="0"/>
+          </a:p>
+        </p:txBody>
+      </p:sp>
+      <p:graphicFrame>
+        <p:nvGraphicFramePr>
+          <p:cNvPr id="31" name="グラフ 30">
+            <a:extLst>
+              <a:ext uri="{FF2B5EF4-FFF2-40B4-BE49-F238E27FC236}">
+                <a16:creationId xmlns:a16="http://schemas.microsoft.com/office/drawing/2014/main" id="{E6C41A99-0C36-4DDB-8AC9-79888D865AD0}"/>
+              </a:ext>
+            </a:extLst>
+          </p:cNvPr>
+          <p:cNvGraphicFramePr/>
           <p:nvPr>
             <p:extLst>
-              <p:ext uri="{386F3935-93C4-4BCD-93E2-E3B085C9AB24}">
-                <p16:designElem xmlns:p16="http://schemas.microsoft.com/office/powerpoint/2015/main" val="1"/>
+              <p:ext uri="{D42A27DB-BD31-4B8C-83A1-F6EECF244321}">
+                <p14:modId xmlns:p14="http://schemas.microsoft.com/office/powerpoint/2010/main" val="3950774321"/>
               </p:ext>
             </p:extLst>
           </p:nvPr>
-        </p:nvSpPr>
-        <p:spPr>
+        </p:nvGraphicFramePr>
+        <p:xfrm>
+          <a:off x="6613770" y="4397543"/>
+          <a:ext cx="1836631" cy="1567441"/>
+        </p:xfrm>
+        <a:graphic>
+          <a:graphicData uri="http://schemas.openxmlformats.org/drawingml/2006/chart">
+            <c:chart xmlns:c="http://schemas.openxmlformats.org/drawingml/2006/chart" xmlns:r="http://schemas.openxmlformats.org/officeDocument/2006/relationships" r:id="rId2"/>
+          </a:graphicData>
+        </a:graphic>
+      </p:graphicFrame>
+      <p:pic>
+        <p:nvPicPr>
+          <p:cNvPr id="1026" name="Picture 2" descr="フリーアイコン Free Icons – データベース Database – everyday icons">
+            <a:extLst>
+              <a:ext uri="{FF2B5EF4-FFF2-40B4-BE49-F238E27FC236}">
+                <a16:creationId xmlns:a16="http://schemas.microsoft.com/office/drawing/2014/main" id="{4B2CD831-98C3-4196-AF68-F03CDD18EC3E}"/>
+              </a:ext>
+            </a:extLst>
+          </p:cNvPr>
+          <p:cNvPicPr>
+            <a:picLocks noChangeAspect="1" noChangeArrowheads="1"/>
+          </p:cNvPicPr>
+          <p:nvPr/>
+        </p:nvPicPr>
+        <p:blipFill>
+          <a:blip r:embed="rId3">
+            <a:extLst>
+              <a:ext uri="{28A0092B-C50C-407E-A947-70E740481C1C}">
+                <a14:useLocalDpi xmlns:a14="http://schemas.microsoft.com/office/drawing/2010/main" val="0"/>
+              </a:ext>
+            </a:extLst>
+          </a:blip>
+          <a:srcRect/>
+          <a:stretch>
+            <a:fillRect/>
+          </a:stretch>
+        </p:blipFill>
+        <p:spPr bwMode="auto">
           <a:xfrm>
-            <a:off x="0" y="0"/>
-            <a:ext cx="12192000" cy="6858000"/>
+            <a:off x="9922849" y="5249634"/>
+            <a:ext cx="802363" cy="802363"/>
           </a:xfrm>
           <a:prstGeom prst="rect">
             <a:avLst/>
           </a:prstGeom>
-          <a:ln w="12700" cap="flat" cmpd="sng" algn="ctr">
-            <a:noFill/>
-            <a:prstDash val="solid"/>
-            <a:miter lim="800000"/>
-          </a:ln>
-          <a:effectLst/>
+          <a:noFill/>
           <a:extLst>
-            <a:ext uri="{91240B29-F687-4F45-9708-019B960494DF}">
-              <a14:hiddenLine xmlns:a14="http://schemas.microsoft.com/office/drawing/2010/main" w="12700" cap="flat" cmpd="sng" algn="ctr">
+            <a:ext uri="{909E8E84-426E-40DD-AFC4-6F175D3DCCD1}">
+              <a14:hiddenFill xmlns:a14="http://schemas.microsoft.com/office/drawing/2010/main">
                 <a:solidFill>
-                  <a:schemeClr val="accent1">
-                    <a:shade val="50000"/>
-                  </a:schemeClr>
+                  <a:srgbClr val="FFFFFF"/>
                 </a:solidFill>
-                <a:prstDash val="solid"/>
-                <a:miter lim="800000"/>
-              </a14:hiddenLine>
+              </a14:hiddenFill>
             </a:ext>
           </a:extLst>
+        </p:spPr>
+      </p:pic>
+      <p:cxnSp>
+        <p:nvCxnSpPr>
+          <p:cNvPr id="33" name="直線矢印コネクタ 32">
+            <a:extLst>
+              <a:ext uri="{FF2B5EF4-FFF2-40B4-BE49-F238E27FC236}">
+                <a16:creationId xmlns:a16="http://schemas.microsoft.com/office/drawing/2014/main" id="{A5938B20-7FE2-4AA2-ADE7-52C43C9C29B7}"/>
+              </a:ext>
+            </a:extLst>
+          </p:cNvPr>
+          <p:cNvCxnSpPr>
+            <a:cxnSpLocks/>
+          </p:cNvCxnSpPr>
+          <p:nvPr/>
+        </p:nvCxnSpPr>
+        <p:spPr>
+          <a:xfrm>
+            <a:off x="8917757" y="4351510"/>
+            <a:ext cx="1182517" cy="786082"/>
+          </a:xfrm>
+          <a:prstGeom prst="straightConnector1">
+            <a:avLst/>
+          </a:prstGeom>
+          <a:ln>
+            <a:tailEnd type="triangle"/>
+          </a:ln>
+        </p:spPr>
+        <p:style>
+          <a:lnRef idx="1">
+            <a:schemeClr val="dk1"/>
+          </a:lnRef>
+          <a:fillRef idx="0">
+            <a:schemeClr val="dk1"/>
+          </a:fillRef>
+          <a:effectRef idx="0">
+            <a:schemeClr val="dk1"/>
+          </a:effectRef>
+          <a:fontRef idx="minor">
+            <a:schemeClr val="tx1"/>
+          </a:fontRef>
+        </p:style>
+      </p:cxnSp>
+      <p:cxnSp>
+        <p:nvCxnSpPr>
+          <p:cNvPr id="36" name="直線矢印コネクタ 35">
+            <a:extLst>
+              <a:ext uri="{FF2B5EF4-FFF2-40B4-BE49-F238E27FC236}">
+                <a16:creationId xmlns:a16="http://schemas.microsoft.com/office/drawing/2014/main" id="{A492D575-97FE-4E96-A6CE-56077DFB5796}"/>
+              </a:ext>
+            </a:extLst>
+          </p:cNvPr>
+          <p:cNvCxnSpPr>
+            <a:cxnSpLocks/>
+          </p:cNvCxnSpPr>
+          <p:nvPr/>
+        </p:nvCxnSpPr>
+        <p:spPr>
+          <a:xfrm>
+            <a:off x="8496146" y="5287277"/>
+            <a:ext cx="1380958" cy="234163"/>
+          </a:xfrm>
+          <a:prstGeom prst="straightConnector1">
+            <a:avLst/>
+          </a:prstGeom>
+          <a:ln>
+            <a:tailEnd type="triangle"/>
+          </a:ln>
+        </p:spPr>
+        <p:style>
+          <a:lnRef idx="1">
+            <a:schemeClr val="dk1"/>
+          </a:lnRef>
+          <a:fillRef idx="0">
+            <a:schemeClr val="dk1"/>
+          </a:fillRef>
+          <a:effectRef idx="0">
+            <a:schemeClr val="dk1"/>
+          </a:effectRef>
+          <a:fontRef idx="minor">
+            <a:schemeClr val="tx1"/>
+          </a:fontRef>
+        </p:style>
+      </p:cxnSp>
+      <p:sp>
+        <p:nvSpPr>
+          <p:cNvPr id="41" name="テキスト ボックス 40">
+            <a:extLst>
+              <a:ext uri="{FF2B5EF4-FFF2-40B4-BE49-F238E27FC236}">
+                <a16:creationId xmlns:a16="http://schemas.microsoft.com/office/drawing/2014/main" id="{8A6FDA6A-8D27-44C3-9077-6A2C00233ACD}"/>
+              </a:ext>
+            </a:extLst>
+          </p:cNvPr>
+          <p:cNvSpPr txBox="1"/>
+          <p:nvPr/>
+        </p:nvSpPr>
+        <p:spPr>
+          <a:xfrm>
+            <a:off x="10213779" y="5056445"/>
+            <a:ext cx="1271502" cy="230832"/>
+          </a:xfrm>
+          <a:prstGeom prst="rect">
+            <a:avLst/>
+          </a:prstGeom>
+          <a:noFill/>
+        </p:spPr>
+        <p:txBody>
+          <a:bodyPr wrap="none" rtlCol="0">
+            <a:spAutoFit/>
+          </a:bodyPr>
+          <a:lstStyle/>
+          <a:p>
+            <a:r>
+              <a:rPr kumimoji="1" lang="ja-JP" altLang="en-US" sz="900" dirty="0"/>
+              <a:t>データベース（</a:t>
+            </a:r>
+            <a:r>
+              <a:rPr kumimoji="1" lang="en-US" altLang="ja-JP" sz="900" dirty="0"/>
+              <a:t>DB</a:t>
+            </a:r>
+            <a:r>
+              <a:rPr kumimoji="1" lang="ja-JP" altLang="en-US" sz="900" dirty="0"/>
+              <a:t>）</a:t>
+            </a:r>
+          </a:p>
+        </p:txBody>
+      </p:sp>
+      <p:cxnSp>
+        <p:nvCxnSpPr>
+          <p:cNvPr id="49" name="直線矢印コネクタ 48">
+            <a:extLst>
+              <a:ext uri="{FF2B5EF4-FFF2-40B4-BE49-F238E27FC236}">
+                <a16:creationId xmlns:a16="http://schemas.microsoft.com/office/drawing/2014/main" id="{EDCF5FF2-B41E-4D6E-BB7D-27A8C1315291}"/>
+              </a:ext>
+            </a:extLst>
+          </p:cNvPr>
+          <p:cNvCxnSpPr>
+            <a:cxnSpLocks/>
+            <a:stCxn id="20" idx="4"/>
+          </p:cNvCxnSpPr>
+          <p:nvPr/>
+        </p:nvCxnSpPr>
+        <p:spPr>
+          <a:xfrm>
+            <a:off x="8677219" y="3323372"/>
+            <a:ext cx="0" cy="266233"/>
+          </a:xfrm>
+          <a:prstGeom prst="straightConnector1">
+            <a:avLst/>
+          </a:prstGeom>
+          <a:ln>
+            <a:tailEnd type="triangle"/>
+          </a:ln>
+        </p:spPr>
+        <p:style>
+          <a:lnRef idx="1">
+            <a:schemeClr val="dk1"/>
+          </a:lnRef>
+          <a:fillRef idx="0">
+            <a:schemeClr val="dk1"/>
+          </a:fillRef>
+          <a:effectRef idx="0">
+            <a:schemeClr val="dk1"/>
+          </a:effectRef>
+          <a:fontRef idx="minor">
+            <a:schemeClr val="tx1"/>
+          </a:fontRef>
+        </p:style>
+      </p:cxnSp>
+      <p:cxnSp>
+        <p:nvCxnSpPr>
+          <p:cNvPr id="53" name="直線矢印コネクタ 52">
+            <a:extLst>
+              <a:ext uri="{FF2B5EF4-FFF2-40B4-BE49-F238E27FC236}">
+                <a16:creationId xmlns:a16="http://schemas.microsoft.com/office/drawing/2014/main" id="{D10BEF59-74B5-4C7F-941F-5B52D2535B48}"/>
+              </a:ext>
+            </a:extLst>
+          </p:cNvPr>
+          <p:cNvCxnSpPr>
+            <a:cxnSpLocks/>
+            <a:stCxn id="21" idx="4"/>
+            <a:endCxn id="20" idx="0"/>
+          </p:cNvCxnSpPr>
+          <p:nvPr/>
+        </p:nvCxnSpPr>
+        <p:spPr>
+          <a:xfrm>
+            <a:off x="8677219" y="2387605"/>
+            <a:ext cx="0" cy="424489"/>
+          </a:xfrm>
+          <a:prstGeom prst="straightConnector1">
+            <a:avLst/>
+          </a:prstGeom>
+          <a:ln>
+            <a:tailEnd type="triangle"/>
+          </a:ln>
+        </p:spPr>
+        <p:style>
+          <a:lnRef idx="1">
+            <a:schemeClr val="dk1"/>
+          </a:lnRef>
+          <a:fillRef idx="0">
+            <a:schemeClr val="dk1"/>
+          </a:fillRef>
+          <a:effectRef idx="0">
+            <a:schemeClr val="dk1"/>
+          </a:effectRef>
+          <a:fontRef idx="minor">
+            <a:schemeClr val="tx1"/>
+          </a:fontRef>
+        </p:style>
+      </p:cxnSp>
+      <p:cxnSp>
+        <p:nvCxnSpPr>
+          <p:cNvPr id="60" name="直線矢印コネクタ 59">
+            <a:extLst>
+              <a:ext uri="{FF2B5EF4-FFF2-40B4-BE49-F238E27FC236}">
+                <a16:creationId xmlns:a16="http://schemas.microsoft.com/office/drawing/2014/main" id="{5A859050-140B-4CAA-93B5-153C0D6B7AEF}"/>
+              </a:ext>
+            </a:extLst>
+          </p:cNvPr>
+          <p:cNvCxnSpPr>
+            <a:cxnSpLocks/>
+            <a:stCxn id="19" idx="4"/>
+            <a:endCxn id="21" idx="0"/>
+          </p:cNvCxnSpPr>
+          <p:nvPr/>
+        </p:nvCxnSpPr>
+        <p:spPr>
+          <a:xfrm flipH="1">
+            <a:off x="8677219" y="1505790"/>
+            <a:ext cx="1" cy="370537"/>
+          </a:xfrm>
+          <a:prstGeom prst="straightConnector1">
+            <a:avLst/>
+          </a:prstGeom>
+          <a:ln>
+            <a:tailEnd type="triangle"/>
+          </a:ln>
+        </p:spPr>
+        <p:style>
+          <a:lnRef idx="1">
+            <a:schemeClr val="dk1"/>
+          </a:lnRef>
+          <a:fillRef idx="0">
+            <a:schemeClr val="dk1"/>
+          </a:fillRef>
+          <a:effectRef idx="0">
+            <a:schemeClr val="dk1"/>
+          </a:effectRef>
+          <a:fontRef idx="minor">
+            <a:schemeClr val="tx1"/>
+          </a:fontRef>
+        </p:style>
+      </p:cxnSp>
+      <p:cxnSp>
+        <p:nvCxnSpPr>
+          <p:cNvPr id="62" name="直線矢印コネクタ 61">
+            <a:extLst>
+              <a:ext uri="{FF2B5EF4-FFF2-40B4-BE49-F238E27FC236}">
+                <a16:creationId xmlns:a16="http://schemas.microsoft.com/office/drawing/2014/main" id="{831F8D18-062D-40F1-9553-F539DD18E79B}"/>
+              </a:ext>
+            </a:extLst>
+          </p:cNvPr>
+          <p:cNvCxnSpPr>
+            <a:cxnSpLocks/>
+          </p:cNvCxnSpPr>
+          <p:nvPr/>
+        </p:nvCxnSpPr>
+        <p:spPr>
+          <a:xfrm flipH="1">
+            <a:off x="8163613" y="4351510"/>
+            <a:ext cx="225259" cy="274804"/>
+          </a:xfrm>
+          <a:prstGeom prst="straightConnector1">
+            <a:avLst/>
+          </a:prstGeom>
+          <a:ln>
+            <a:tailEnd type="triangle"/>
+          </a:ln>
+        </p:spPr>
+        <p:style>
+          <a:lnRef idx="1">
+            <a:schemeClr val="dk1"/>
+          </a:lnRef>
+          <a:fillRef idx="0">
+            <a:schemeClr val="dk1"/>
+          </a:fillRef>
+          <a:effectRef idx="0">
+            <a:schemeClr val="dk1"/>
+          </a:effectRef>
+          <a:fontRef idx="minor">
+            <a:schemeClr val="tx1"/>
+          </a:fontRef>
+        </p:style>
+      </p:cxnSp>
+      <p:sp>
+        <p:nvSpPr>
+          <p:cNvPr id="1033" name="正方形/長方形 1032">
+            <a:extLst>
+              <a:ext uri="{FF2B5EF4-FFF2-40B4-BE49-F238E27FC236}">
+                <a16:creationId xmlns:a16="http://schemas.microsoft.com/office/drawing/2014/main" id="{359D67D9-61C8-4138-926D-AA6AD19B48C0}"/>
+              </a:ext>
+            </a:extLst>
+          </p:cNvPr>
+          <p:cNvSpPr/>
+          <p:nvPr/>
+        </p:nvSpPr>
+        <p:spPr>
+          <a:xfrm>
+            <a:off x="7169193" y="893016"/>
+            <a:ext cx="664698" cy="391228"/>
+          </a:xfrm>
+          <a:prstGeom prst="rect">
+            <a:avLst/>
+          </a:prstGeom>
+          <a:solidFill>
+            <a:schemeClr val="accent3">
+              <a:lumMod val="20000"/>
+              <a:lumOff val="80000"/>
+            </a:schemeClr>
+          </a:solidFill>
+        </p:spPr>
+        <p:style>
+          <a:lnRef idx="2">
+            <a:schemeClr val="accent6"/>
+          </a:lnRef>
+          <a:fillRef idx="1">
+            <a:schemeClr val="lt1"/>
+          </a:fillRef>
+          <a:effectRef idx="0">
+            <a:schemeClr val="accent6"/>
+          </a:effectRef>
+          <a:fontRef idx="minor">
+            <a:schemeClr val="dk1"/>
+          </a:fontRef>
+        </p:style>
+        <p:txBody>
+          <a:bodyPr rtlCol="0" anchor="ctr"/>
+          <a:lstStyle/>
+          <a:p>
+            <a:pPr algn="ctr"/>
+            <a:r>
+              <a:rPr lang="ja-JP" altLang="en-US" dirty="0"/>
+              <a:t>例</a:t>
+            </a:r>
+            <a:endParaRPr kumimoji="1" lang="ja-JP" altLang="en-US" dirty="0"/>
+          </a:p>
+        </p:txBody>
+      </p:sp>
+      <p:sp>
+        <p:nvSpPr>
+          <p:cNvPr id="1046" name="矢印: 右カーブ 1045">
+            <a:extLst>
+              <a:ext uri="{FF2B5EF4-FFF2-40B4-BE49-F238E27FC236}">
+                <a16:creationId xmlns:a16="http://schemas.microsoft.com/office/drawing/2014/main" id="{9FAF82F8-7429-4ADE-B8EF-308D69BBA95A}"/>
+              </a:ext>
+            </a:extLst>
+          </p:cNvPr>
+          <p:cNvSpPr/>
+          <p:nvPr/>
+        </p:nvSpPr>
+        <p:spPr>
+          <a:xfrm>
+            <a:off x="622169" y="3855563"/>
+            <a:ext cx="853374" cy="2196434"/>
+          </a:xfrm>
+          <a:prstGeom prst="curvedRightArrow">
+            <a:avLst/>
+          </a:prstGeom>
+          <a:solidFill>
+            <a:schemeClr val="accent2">
+              <a:lumMod val="75000"/>
+            </a:schemeClr>
+          </a:solidFill>
         </p:spPr>
         <p:style>
           <a:lnRef idx="2">
@@ -9977,16 +12462,50 @@
           <a:lstStyle/>
           <a:p>
             <a:pPr algn="ctr"/>
-            <a:endParaRPr lang="en-US"/>
+            <a:endParaRPr kumimoji="1" lang="ja-JP" altLang="en-US">
+              <a:solidFill>
+                <a:schemeClr val="tx1"/>
+              </a:solidFill>
+            </a:endParaRPr>
           </a:p>
         </p:txBody>
       </p:sp>
+    </p:spTree>
+    <p:extLst>
+      <p:ext uri="{BB962C8B-B14F-4D97-AF65-F5344CB8AC3E}">
+        <p14:creationId xmlns:p14="http://schemas.microsoft.com/office/powerpoint/2010/main" val="2293449542"/>
+      </p:ext>
+    </p:extLst>
+  </p:cSld>
+  <p:clrMapOvr>
+    <a:masterClrMapping/>
+  </p:clrMapOvr>
+</p:sld>
+</file>
+
+<file path=ppt/slides/slide9.xml><?xml version="1.0" encoding="utf-8"?>
+<p:sld xmlns:a="http://schemas.openxmlformats.org/drawingml/2006/main" xmlns:r="http://schemas.openxmlformats.org/officeDocument/2006/relationships" xmlns:p="http://schemas.openxmlformats.org/presentationml/2006/main">
+  <p:cSld>
+    <p:spTree>
+      <p:nvGrpSpPr>
+        <p:cNvPr id="1" name=""/>
+        <p:cNvGrpSpPr/>
+        <p:nvPr/>
+      </p:nvGrpSpPr>
+      <p:grpSpPr>
+        <a:xfrm>
+          <a:off x="0" y="0"/>
+          <a:ext cx="0" cy="0"/>
+          <a:chOff x="0" y="0"/>
+          <a:chExt cx="0" cy="0"/>
+        </a:xfrm>
+      </p:grpSpPr>
       <p:sp>
         <p:nvSpPr>
           <p:cNvPr id="2" name="タイトル 1">
             <a:extLst>
               <a:ext uri="{FF2B5EF4-FFF2-40B4-BE49-F238E27FC236}">
-                <a16:creationId xmlns:a16="http://schemas.microsoft.com/office/drawing/2014/main" id="{C02DD323-80E0-4A56-9701-7340B0199536}"/>
+                <a16:creationId xmlns:a16="http://schemas.microsoft.com/office/drawing/2014/main" id="{A558B4C3-218A-4BC8-A706-C95C3926907D}"/>
               </a:ext>
             </a:extLst>
           </p:cNvPr>
@@ -9997,84 +12516,24 @@
             <p:ph type="title"/>
           </p:nvPr>
         </p:nvSpPr>
-        <p:spPr>
-          <a:xfrm>
-            <a:off x="700088" y="909637"/>
-            <a:ext cx="6852004" cy="1362073"/>
-          </a:xfrm>
-        </p:spPr>
+        <p:spPr/>
         <p:txBody>
-          <a:bodyPr>
-            <a:normAutofit/>
-          </a:bodyPr>
+          <a:bodyPr/>
           <a:lstStyle/>
           <a:p>
             <a:r>
-              <a:rPr lang="ja-JP" altLang="en-US" dirty="0"/>
-              <a:t>課題・今後の展望</a:t>
-            </a:r>
-            <a:endParaRPr kumimoji="1" lang="ja-JP" altLang="en-US" dirty="0"/>
+              <a:rPr kumimoji="1" lang="ja-JP" altLang="en-US" dirty="0"/>
+              <a:t>そのほかの機能</a:t>
+            </a:r>
           </a:p>
         </p:txBody>
       </p:sp>
-      <p:cxnSp>
-        <p:nvCxnSpPr>
-          <p:cNvPr id="14" name="Straight Connector 13">
-            <a:extLst>
-              <a:ext uri="{FF2B5EF4-FFF2-40B4-BE49-F238E27FC236}">
-                <a16:creationId xmlns:a16="http://schemas.microsoft.com/office/drawing/2014/main" id="{7F1E95A2-E5F1-4C8A-92DC-CE369D193924}"/>
-              </a:ext>
-              <a:ext uri="{C183D7F6-B498-43B3-948B-1728B52AA6E4}">
-                <adec:decorative xmlns:adec="http://schemas.microsoft.com/office/drawing/2017/decorative" val="1"/>
-              </a:ext>
-            </a:extLst>
-          </p:cNvPr>
-          <p:cNvCxnSpPr>
-            <a:cxnSpLocks noGrp="1" noRot="1" noChangeAspect="1" noMove="1" noResize="1" noEditPoints="1" noAdjustHandles="1" noChangeArrowheads="1" noChangeShapeType="1"/>
-          </p:cNvCxnSpPr>
-          <p:nvPr>
-            <p:extLst>
-              <p:ext uri="{386F3935-93C4-4BCD-93E2-E3B085C9AB24}">
-                <p16:designElem xmlns:p16="http://schemas.microsoft.com/office/powerpoint/2015/main" val="1"/>
-              </p:ext>
-            </p:extLst>
-          </p:nvPr>
-        </p:nvCxnSpPr>
-        <p:spPr>
-          <a:xfrm>
-            <a:off x="800100" y="723900"/>
-            <a:ext cx="10591800" cy="0"/>
-          </a:xfrm>
-          <a:prstGeom prst="line">
-            <a:avLst/>
-          </a:prstGeom>
-          <a:ln w="44450">
-            <a:solidFill>
-              <a:schemeClr val="tx1"/>
-            </a:solidFill>
-          </a:ln>
-        </p:spPr>
-        <p:style>
-          <a:lnRef idx="1">
-            <a:schemeClr val="accent1"/>
-          </a:lnRef>
-          <a:fillRef idx="0">
-            <a:schemeClr val="accent1"/>
-          </a:fillRef>
-          <a:effectRef idx="0">
-            <a:schemeClr val="accent1"/>
-          </a:effectRef>
-          <a:fontRef idx="minor">
-            <a:schemeClr val="tx1"/>
-          </a:fontRef>
-        </p:style>
-      </p:cxnSp>
       <p:sp>
         <p:nvSpPr>
           <p:cNvPr id="3" name="コンテンツ プレースホルダー 2">
             <a:extLst>
               <a:ext uri="{FF2B5EF4-FFF2-40B4-BE49-F238E27FC236}">
-                <a16:creationId xmlns:a16="http://schemas.microsoft.com/office/drawing/2014/main" id="{9AD69862-8139-4D10-9801-6BDE0CF252D3}"/>
+                <a16:creationId xmlns:a16="http://schemas.microsoft.com/office/drawing/2014/main" id="{F9F7AB20-8931-40ED-9D31-2509F9563730}"/>
               </a:ext>
             </a:extLst>
           </p:cNvPr>
@@ -10085,184 +12544,29 @@
             <p:ph idx="1"/>
           </p:nvPr>
         </p:nvSpPr>
-        <p:spPr>
-          <a:xfrm>
-            <a:off x="700087" y="2276473"/>
-            <a:ext cx="8129587" cy="3671875"/>
-          </a:xfrm>
-        </p:spPr>
+        <p:spPr/>
         <p:txBody>
-          <a:bodyPr>
-            <a:normAutofit fontScale="92500" lnSpcReduction="20000"/>
-          </a:bodyPr>
+          <a:bodyPr/>
           <a:lstStyle/>
           <a:p>
             <a:r>
-              <a:rPr kumimoji="1" lang="ja-JP" altLang="en-US" sz="2600" dirty="0"/>
-              <a:t>集計機能で記録された情報をカレンダーに表示</a:t>
-            </a:r>
-            <a:endParaRPr kumimoji="1" lang="en-US" altLang="ja-JP" sz="2600" dirty="0"/>
-          </a:p>
-          <a:p>
-            <a:pPr marL="0" indent="0">
-              <a:buNone/>
-            </a:pPr>
-            <a:r>
-              <a:rPr kumimoji="1" lang="en-US" altLang="ja-JP" sz="2600" dirty="0"/>
-              <a:t>	</a:t>
-            </a:r>
-            <a:r>
-              <a:rPr kumimoji="1" lang="ja-JP" altLang="en-US" sz="2600" dirty="0"/>
-              <a:t>→飲み会の記録をもとに休肝日の設定</a:t>
-            </a:r>
-            <a:endParaRPr kumimoji="1" lang="en-US" altLang="ja-JP" sz="2600" dirty="0"/>
-          </a:p>
-          <a:p>
-            <a:r>
-              <a:rPr kumimoji="1" lang="ja-JP" altLang="en-US" sz="2600" dirty="0"/>
-              <a:t>カレンダーに登録された予定の前にメールで通知</a:t>
-            </a:r>
-            <a:endParaRPr kumimoji="1" lang="en-US" altLang="ja-JP" sz="2600" dirty="0"/>
-          </a:p>
-          <a:p>
-            <a:r>
-              <a:rPr kumimoji="1" lang="ja-JP" altLang="en-US" sz="2600" dirty="0"/>
-              <a:t>登録された体質とコンデションをもとに</a:t>
-            </a:r>
-            <a:endParaRPr kumimoji="1" lang="en-US" altLang="ja-JP" sz="2600" dirty="0"/>
-          </a:p>
-          <a:p>
-            <a:pPr marL="0" indent="0">
-              <a:buNone/>
-            </a:pPr>
-            <a:r>
-              <a:rPr kumimoji="1" lang="ja-JP" altLang="en-US" sz="2600" dirty="0"/>
-              <a:t>　飲みすぎ通知機能</a:t>
-            </a:r>
-            <a:endParaRPr kumimoji="1" lang="en-US" altLang="ja-JP" sz="2600" dirty="0"/>
-          </a:p>
-          <a:p>
-            <a:r>
-              <a:rPr kumimoji="1" lang="ja-JP" altLang="en-US" sz="2600" dirty="0"/>
-              <a:t>将来的には居酒屋やバーと連携し、</a:t>
-            </a:r>
-            <a:endParaRPr kumimoji="1" lang="en-US" altLang="ja-JP" sz="2600" dirty="0"/>
-          </a:p>
-          <a:p>
-            <a:pPr marL="0" indent="0">
-              <a:buNone/>
-            </a:pPr>
-            <a:r>
-              <a:rPr kumimoji="1" lang="ja-JP" altLang="en-US" sz="2600" dirty="0"/>
-              <a:t>　割り勘が楽になるのでは</a:t>
-            </a:r>
-            <a:r>
-              <a:rPr kumimoji="1" lang="en-US" altLang="ja-JP" sz="2600" dirty="0"/>
-              <a:t>…</a:t>
-            </a:r>
-            <a:r>
-              <a:rPr kumimoji="1" lang="ja-JP" altLang="en-US" sz="2600" dirty="0"/>
-              <a:t>？</a:t>
-            </a:r>
-            <a:endParaRPr kumimoji="1" lang="en-US" altLang="ja-JP" sz="2600" dirty="0"/>
-          </a:p>
-          <a:p>
-            <a:endParaRPr kumimoji="1" lang="en-US" altLang="ja-JP" dirty="0"/>
+              <a:rPr kumimoji="1" lang="ja-JP" altLang="en-US" sz="2400" dirty="0"/>
+              <a:t>新規登録の際、年齢確認を行う</a:t>
+            </a:r>
+            <a:endParaRPr kumimoji="1" lang="en-US" altLang="ja-JP" sz="2400" dirty="0"/>
+          </a:p>
+          <a:p>
+            <a:r>
+              <a:rPr kumimoji="1" lang="ja-JP" altLang="en-US" sz="2400" dirty="0"/>
+              <a:t>お酒に対する体質とその日のコンデションを登録可能</a:t>
+            </a:r>
           </a:p>
         </p:txBody>
       </p:sp>
-      <p:pic>
-        <p:nvPicPr>
-          <p:cNvPr id="7" name="図 6" descr="おもちゃ, 食品 が含まれている画像&#10;&#10;自動的に生成された説明">
-            <a:extLst>
-              <a:ext uri="{FF2B5EF4-FFF2-40B4-BE49-F238E27FC236}">
-                <a16:creationId xmlns:a16="http://schemas.microsoft.com/office/drawing/2014/main" id="{255E6FAD-524B-4FCD-9C28-FE4913B9D0B9}"/>
-              </a:ext>
-            </a:extLst>
-          </p:cNvPr>
-          <p:cNvPicPr>
-            <a:picLocks noChangeAspect="1"/>
-          </p:cNvPicPr>
-          <p:nvPr/>
-        </p:nvPicPr>
-        <p:blipFill>
-          <a:blip r:embed="rId2">
-            <a:extLst>
-              <a:ext uri="{28A0092B-C50C-407E-A947-70E740481C1C}">
-                <a14:useLocalDpi xmlns:a14="http://schemas.microsoft.com/office/drawing/2010/main" val="0"/>
-              </a:ext>
-            </a:extLst>
-          </a:blip>
-          <a:stretch>
-            <a:fillRect/>
-          </a:stretch>
-        </p:blipFill>
-        <p:spPr>
-          <a:xfrm>
-            <a:off x="8115300" y="1121533"/>
-            <a:ext cx="3276600" cy="4614929"/>
-          </a:xfrm>
-          <a:prstGeom prst="rect">
-            <a:avLst/>
-          </a:prstGeom>
-        </p:spPr>
-      </p:pic>
-      <p:cxnSp>
-        <p:nvCxnSpPr>
-          <p:cNvPr id="16" name="Straight Connector 15">
-            <a:extLst>
-              <a:ext uri="{FF2B5EF4-FFF2-40B4-BE49-F238E27FC236}">
-                <a16:creationId xmlns:a16="http://schemas.microsoft.com/office/drawing/2014/main" id="{AFCF674C-D208-4497-A189-02E8503DA8F3}"/>
-              </a:ext>
-              <a:ext uri="{C183D7F6-B498-43B3-948B-1728B52AA6E4}">
-                <adec:decorative xmlns:adec="http://schemas.microsoft.com/office/drawing/2017/decorative" val="1"/>
-              </a:ext>
-            </a:extLst>
-          </p:cNvPr>
-          <p:cNvCxnSpPr>
-            <a:cxnSpLocks noGrp="1" noRot="1" noChangeAspect="1" noMove="1" noResize="1" noEditPoints="1" noAdjustHandles="1" noChangeArrowheads="1" noChangeShapeType="1"/>
-          </p:cNvCxnSpPr>
-          <p:nvPr>
-            <p:extLst>
-              <p:ext uri="{386F3935-93C4-4BCD-93E2-E3B085C9AB24}">
-                <p16:designElem xmlns:p16="http://schemas.microsoft.com/office/powerpoint/2015/main" val="1"/>
-              </p:ext>
-            </p:extLst>
-          </p:nvPr>
-        </p:nvCxnSpPr>
-        <p:spPr>
-          <a:xfrm>
-            <a:off x="800100" y="6142781"/>
-            <a:ext cx="10591800" cy="0"/>
-          </a:xfrm>
-          <a:prstGeom prst="line">
-            <a:avLst/>
-          </a:prstGeom>
-          <a:ln w="12700">
-            <a:solidFill>
-              <a:schemeClr val="tx1"/>
-            </a:solidFill>
-          </a:ln>
-        </p:spPr>
-        <p:style>
-          <a:lnRef idx="1">
-            <a:schemeClr val="accent1"/>
-          </a:lnRef>
-          <a:fillRef idx="0">
-            <a:schemeClr val="accent1"/>
-          </a:fillRef>
-          <a:effectRef idx="0">
-            <a:schemeClr val="accent1"/>
-          </a:effectRef>
-          <a:fontRef idx="minor">
-            <a:schemeClr val="tx1"/>
-          </a:fontRef>
-        </p:style>
-      </p:cxnSp>
     </p:spTree>
     <p:extLst>
       <p:ext uri="{BB962C8B-B14F-4D97-AF65-F5344CB8AC3E}">
-        <p14:creationId xmlns:p14="http://schemas.microsoft.com/office/powerpoint/2010/main" val="2445445592"/>
+        <p14:creationId xmlns:p14="http://schemas.microsoft.com/office/powerpoint/2010/main" val="452794983"/>
       </p:ext>
     </p:extLst>
   </p:cSld>

--- a/doc/Webアプリ成果発表.pptx
+++ b/doc/Webアプリ成果発表.pptx
@@ -171,6 +171,11 @@
               </a:ln>
               <a:effectLst/>
             </c:spPr>
+            <c:extLst>
+              <c:ext xmlns:c16="http://schemas.microsoft.com/office/drawing/2014/chart" uri="{C3380CC4-5D6E-409C-BE32-E72D297353CC}">
+                <c16:uniqueId val="{00000001-3706-43B6-95E6-1F5AAB715AA4}"/>
+              </c:ext>
+            </c:extLst>
           </c:dPt>
           <c:dPt>
             <c:idx val="1"/>
@@ -186,6 +191,11 @@
               </a:ln>
               <a:effectLst/>
             </c:spPr>
+            <c:extLst>
+              <c:ext xmlns:c16="http://schemas.microsoft.com/office/drawing/2014/chart" uri="{C3380CC4-5D6E-409C-BE32-E72D297353CC}">
+                <c16:uniqueId val="{00000003-3706-43B6-95E6-1F5AAB715AA4}"/>
+              </c:ext>
+            </c:extLst>
           </c:dPt>
           <c:dPt>
             <c:idx val="2"/>
@@ -201,6 +211,11 @@
               </a:ln>
               <a:effectLst/>
             </c:spPr>
+            <c:extLst>
+              <c:ext xmlns:c16="http://schemas.microsoft.com/office/drawing/2014/chart" uri="{C3380CC4-5D6E-409C-BE32-E72D297353CC}">
+                <c16:uniqueId val="{00000005-3706-43B6-95E6-1F5AAB715AA4}"/>
+              </c:ext>
+            </c:extLst>
           </c:dPt>
           <c:dPt>
             <c:idx val="3"/>
@@ -216,6 +231,11 @@
               </a:ln>
               <a:effectLst/>
             </c:spPr>
+            <c:extLst>
+              <c:ext xmlns:c16="http://schemas.microsoft.com/office/drawing/2014/chart" uri="{C3380CC4-5D6E-409C-BE32-E72D297353CC}">
+                <c16:uniqueId val="{00000007-3706-43B6-95E6-1F5AAB715AA4}"/>
+              </c:ext>
+            </c:extLst>
           </c:dPt>
           <c:cat>
             <c:strRef>
@@ -10803,10 +10823,10 @@
       </p:sp>
       <p:sp>
         <p:nvSpPr>
-          <p:cNvPr id="3" name="コンテンツ プレースホルダー 2">
-            <a:extLst>
-              <a:ext uri="{FF2B5EF4-FFF2-40B4-BE49-F238E27FC236}">
-                <a16:creationId xmlns:a16="http://schemas.microsoft.com/office/drawing/2014/main" id="{BB645838-DF0B-449C-935F-60C59F524E6E}"/>
+          <p:cNvPr id="7" name="コンテンツ プレースホルダー 2">
+            <a:extLst>
+              <a:ext uri="{FF2B5EF4-FFF2-40B4-BE49-F238E27FC236}">
+                <a16:creationId xmlns:a16="http://schemas.microsoft.com/office/drawing/2014/main" id="{0DFB76C5-F2B1-4479-B540-72C1CC881EDA}"/>
               </a:ext>
             </a:extLst>
           </p:cNvPr>
@@ -10817,14 +10837,104 @@
             <p:ph idx="1"/>
           </p:nvPr>
         </p:nvSpPr>
-        <p:spPr/>
+        <p:spPr>
+          <a:xfrm>
+            <a:off x="700635" y="1746371"/>
+            <a:ext cx="10691265" cy="4390477"/>
+          </a:xfrm>
+        </p:spPr>
         <p:txBody>
           <a:bodyPr/>
           <a:lstStyle/>
           <a:p>
+            <a:pPr>
+              <a:buFont typeface="Wingdings" panose="05000000000000000000" pitchFamily="2" charset="2"/>
+              <a:buChar char="Ø"/>
+            </a:pPr>
             <a:r>
               <a:rPr kumimoji="1" lang="ja-JP" altLang="en-US" sz="2400" dirty="0"/>
-              <a:t>お酒の情報を共有・検索する機能</a:t>
+              <a:t>図鑑の一覧表示：データベースから図鑑のデータを取得し、ウェブペー</a:t>
+            </a:r>
+            <a:r>
+              <a:rPr kumimoji="1" lang="en-US" altLang="ja-JP" sz="2400" dirty="0"/>
+              <a:t>			</a:t>
+            </a:r>
+            <a:r>
+              <a:rPr kumimoji="1" lang="ja-JP" altLang="en-US" sz="2400" dirty="0"/>
+              <a:t>ジに表示する</a:t>
+            </a:r>
+            <a:endParaRPr kumimoji="1" lang="en-US" altLang="ja-JP" sz="2400" dirty="0"/>
+          </a:p>
+          <a:p>
+            <a:pPr>
+              <a:buFont typeface="Wingdings" panose="05000000000000000000" pitchFamily="2" charset="2"/>
+              <a:buChar char="Ø"/>
+            </a:pPr>
+            <a:r>
+              <a:rPr kumimoji="1" lang="ja-JP" altLang="en-US" sz="2400" dirty="0"/>
+              <a:t>キーワード検索：取得したキーワードを使用して、データベースの図鑑</a:t>
+            </a:r>
+            <a:r>
+              <a:rPr kumimoji="1" lang="en-US" altLang="ja-JP" sz="2400" dirty="0"/>
+              <a:t>			</a:t>
+            </a:r>
+            <a:r>
+              <a:rPr kumimoji="1" lang="ja-JP" altLang="en-US" sz="2400" dirty="0"/>
+              <a:t>データを検索し、検索結果をウェブページに表示する</a:t>
+            </a:r>
+            <a:endParaRPr kumimoji="1" lang="en-US" altLang="ja-JP" sz="2400" dirty="0"/>
+          </a:p>
+          <a:p>
+            <a:pPr>
+              <a:buFont typeface="Wingdings" panose="05000000000000000000" pitchFamily="2" charset="2"/>
+              <a:buChar char="Ø"/>
+            </a:pPr>
+            <a:r>
+              <a:rPr kumimoji="1" lang="ja-JP" altLang="en-US" sz="2400" dirty="0"/>
+              <a:t>絞り込み検索：絞り込み条件（酒種</a:t>
+            </a:r>
+            <a:r>
+              <a:rPr kumimoji="1" lang="en-US" altLang="ja-JP" sz="2400" dirty="0"/>
+              <a:t>, </a:t>
+            </a:r>
+            <a:r>
+              <a:rPr kumimoji="1" lang="ja-JP" altLang="en-US" sz="2400" dirty="0"/>
+              <a:t>種類</a:t>
+            </a:r>
+            <a:r>
+              <a:rPr kumimoji="1" lang="en-US" altLang="ja-JP" sz="2400" dirty="0"/>
+              <a:t>, </a:t>
+            </a:r>
+            <a:r>
+              <a:rPr kumimoji="1" lang="ja-JP" altLang="en-US" sz="2400" dirty="0"/>
+              <a:t>産地）を取得し、データ</a:t>
+            </a:r>
+            <a:r>
+              <a:rPr kumimoji="1" lang="en-US" altLang="ja-JP" sz="2400" dirty="0"/>
+              <a:t>				</a:t>
+            </a:r>
+            <a:r>
+              <a:rPr kumimoji="1" lang="ja-JP" altLang="en-US" sz="2400" dirty="0"/>
+              <a:t>ベースの図鑑データを絞り込み検索し、絞り込み結果</a:t>
+            </a:r>
+            <a:r>
+              <a:rPr kumimoji="1" lang="en-US" altLang="ja-JP" sz="2400" dirty="0"/>
+              <a:t>			</a:t>
+            </a:r>
+            <a:r>
+              <a:rPr kumimoji="1" lang="ja-JP" altLang="en-US" sz="2400" dirty="0"/>
+              <a:t>をウェブページに表示する</a:t>
+            </a:r>
+            <a:endParaRPr kumimoji="1" lang="en-US" altLang="ja-JP" sz="2400" dirty="0"/>
+          </a:p>
+          <a:p>
+            <a:pPr>
+              <a:buFont typeface="Wingdings" panose="05000000000000000000" pitchFamily="2" charset="2"/>
+              <a:buChar char="Ø"/>
+            </a:pPr>
+            <a:r>
+              <a:rPr kumimoji="1" lang="ja-JP" altLang="en-US" sz="2400" dirty="0"/>
+              <a:t>投稿：ユーザーからの投稿内容を取得し、データベースに保存する</a:t>
             </a:r>
             <a:endParaRPr kumimoji="1" lang="en-US" altLang="ja-JP" sz="2400" dirty="0"/>
           </a:p>
@@ -12530,10 +12640,10 @@
       </p:sp>
       <p:sp>
         <p:nvSpPr>
-          <p:cNvPr id="3" name="コンテンツ プレースホルダー 2">
-            <a:extLst>
-              <a:ext uri="{FF2B5EF4-FFF2-40B4-BE49-F238E27FC236}">
-                <a16:creationId xmlns:a16="http://schemas.microsoft.com/office/drawing/2014/main" id="{F9F7AB20-8931-40ED-9D31-2509F9563730}"/>
+          <p:cNvPr id="7" name="コンテンツ プレースホルダー 2">
+            <a:extLst>
+              <a:ext uri="{FF2B5EF4-FFF2-40B4-BE49-F238E27FC236}">
+                <a16:creationId xmlns:a16="http://schemas.microsoft.com/office/drawing/2014/main" id="{605420E0-CAB2-4C64-B068-1A253659AC7D}"/>
               </a:ext>
             </a:extLst>
           </p:cNvPr>
@@ -12544,14 +12654,52 @@
             <p:ph idx="1"/>
           </p:nvPr>
         </p:nvSpPr>
-        <p:spPr/>
+        <p:spPr>
+          <a:xfrm>
+            <a:off x="700088" y="2292350"/>
+            <a:ext cx="10691812" cy="3636963"/>
+          </a:xfrm>
+        </p:spPr>
         <p:txBody>
           <a:bodyPr/>
           <a:lstStyle/>
           <a:p>
             <a:r>
               <a:rPr kumimoji="1" lang="ja-JP" altLang="en-US" sz="2400" dirty="0"/>
-              <a:t>新規登録の際、年齢確認を行う</a:t>
+              <a:t>新規登録：</a:t>
+            </a:r>
+            <a:endParaRPr kumimoji="1" lang="en-US" altLang="ja-JP" sz="2400" dirty="0"/>
+          </a:p>
+          <a:p>
+            <a:pPr>
+              <a:buFont typeface="Wingdings" panose="05000000000000000000" pitchFamily="2" charset="2"/>
+              <a:buChar char="Ø"/>
+            </a:pPr>
+            <a:r>
+              <a:rPr kumimoji="1" lang="ja-JP" altLang="en-US" sz="2400" dirty="0"/>
+              <a:t>年齢確認：２０歳未満は登録できない</a:t>
+            </a:r>
+            <a:endParaRPr kumimoji="1" lang="en-US" altLang="ja-JP" sz="2400" dirty="0"/>
+          </a:p>
+          <a:p>
+            <a:pPr>
+              <a:buFont typeface="Wingdings" panose="05000000000000000000" pitchFamily="2" charset="2"/>
+              <a:buChar char="Ø"/>
+            </a:pPr>
+            <a:r>
+              <a:rPr kumimoji="1" lang="ja-JP" altLang="en-US" sz="2400" dirty="0"/>
+              <a:t>うるう年設定：うるう年の２月だと２８日しか選択できない</a:t>
+            </a:r>
+            <a:endParaRPr kumimoji="1" lang="en-US" altLang="ja-JP" sz="2400" dirty="0"/>
+          </a:p>
+          <a:p>
+            <a:pPr>
+              <a:buFont typeface="Wingdings" panose="05000000000000000000" pitchFamily="2" charset="2"/>
+              <a:buChar char="Ø"/>
+            </a:pPr>
+            <a:r>
+              <a:rPr kumimoji="1" lang="ja-JP" altLang="en-US" sz="2400" dirty="0"/>
+              <a:t>ニックネーム重複：既に登録したニックネームは登録できない</a:t>
             </a:r>
             <a:endParaRPr kumimoji="1" lang="en-US" altLang="ja-JP" sz="2400" dirty="0"/>
           </a:p>

--- a/doc/Webアプリ成果発表.pptx
+++ b/doc/Webアプリ成果発表.pptx
@@ -15,7 +15,7 @@
     <p:sldId id="268" r:id="rId9"/>
     <p:sldId id="263" r:id="rId10"/>
     <p:sldId id="264" r:id="rId11"/>
-    <p:sldId id="265" r:id="rId12"/>
+    <p:sldId id="269" r:id="rId12"/>
     <p:sldId id="266" r:id="rId13"/>
     <p:sldId id="267" r:id="rId14"/>
   </p:sldIdLst>
@@ -8306,15 +8306,15 @@
               </a:spcAft>
             </a:pPr>
             <a:r>
-              <a:rPr kumimoji="1" lang="ja-JP" altLang="en-US" sz="2800"/>
+              <a:rPr kumimoji="1" lang="ja-JP" altLang="en-US" sz="2800" dirty="0"/>
               <a:t>美酒乱 </a:t>
             </a:r>
             <a:r>
-              <a:rPr lang="en-US" altLang="ja-JP" sz="2800"/>
+              <a:rPr lang="en-US" altLang="ja-JP" sz="2800" dirty="0"/>
               <a:t>–</a:t>
             </a:r>
             <a:r>
-              <a:rPr kumimoji="1" lang="en-US" altLang="ja-JP" sz="2800"/>
+              <a:rPr kumimoji="1" lang="en-US" altLang="ja-JP" sz="2800" dirty="0"/>
               <a:t>Michelin-</a:t>
             </a:r>
           </a:p>
@@ -8325,10 +8325,10 @@
               </a:spcAft>
             </a:pPr>
             <a:r>
-              <a:rPr lang="ja-JP" altLang="en-US"/>
+              <a:rPr lang="ja-JP" altLang="en-US" dirty="0"/>
               <a:t>藤尾 熙彦</a:t>
             </a:r>
-            <a:endParaRPr lang="en-US" altLang="ja-JP"/>
+            <a:endParaRPr lang="en-US" altLang="ja-JP" dirty="0"/>
           </a:p>
           <a:p>
             <a:pPr>
@@ -8337,10 +8337,10 @@
               </a:spcAft>
             </a:pPr>
             <a:r>
-              <a:rPr lang="ja-JP" altLang="en-US"/>
+              <a:rPr lang="ja-JP" altLang="en-US" dirty="0"/>
               <a:t>ブイ リエン チュアン</a:t>
             </a:r>
-            <a:endParaRPr lang="en-US" altLang="ja-JP"/>
+            <a:endParaRPr lang="en-US" altLang="ja-JP" dirty="0"/>
           </a:p>
           <a:p>
             <a:pPr>
@@ -8349,10 +8349,10 @@
               </a:spcAft>
             </a:pPr>
             <a:r>
-              <a:rPr lang="ja-JP" altLang="en-US"/>
+              <a:rPr lang="ja-JP" altLang="en-US" dirty="0"/>
               <a:t>髙田 真之介</a:t>
             </a:r>
-            <a:endParaRPr kumimoji="1" lang="en-US" altLang="ja-JP"/>
+            <a:endParaRPr kumimoji="1" lang="en-US" altLang="ja-JP" dirty="0"/>
           </a:p>
           <a:p>
             <a:pPr>
@@ -8361,10 +8361,10 @@
               </a:spcAft>
             </a:pPr>
             <a:r>
-              <a:rPr lang="ja-JP" altLang="en-US"/>
+              <a:rPr lang="ja-JP" altLang="en-US" dirty="0"/>
               <a:t>佐々倉 皆</a:t>
             </a:r>
-            <a:endParaRPr lang="en-US" altLang="ja-JP"/>
+            <a:endParaRPr lang="en-US" altLang="ja-JP" dirty="0"/>
           </a:p>
           <a:p>
             <a:pPr>
@@ -8373,7 +8373,7 @@
               </a:spcAft>
             </a:pPr>
             <a:r>
-              <a:rPr lang="ja-JP" altLang="en-US"/>
+              <a:rPr lang="ja-JP" altLang="en-US" dirty="0"/>
               <a:t>櫻庭 舞花</a:t>
             </a:r>
             <a:endParaRPr lang="en-US" altLang="ja-JP" dirty="0"/>
@@ -8859,7 +8859,7 @@
           <p:cNvPr id="2" name="タイトル 1">
             <a:extLst>
               <a:ext uri="{FF2B5EF4-FFF2-40B4-BE49-F238E27FC236}">
-                <a16:creationId xmlns:a16="http://schemas.microsoft.com/office/drawing/2014/main" id="{647108C9-B18A-4B1B-B359-BF9CAED1B5B0}"/>
+                <a16:creationId xmlns:a16="http://schemas.microsoft.com/office/drawing/2014/main" id="{61F298F2-620B-418A-B987-E77BF179C529}"/>
               </a:ext>
             </a:extLst>
           </p:cNvPr>
@@ -8888,7 +8888,7 @@
           <p:cNvPr id="3" name="コンテンツ プレースホルダー 2">
             <a:extLst>
               <a:ext uri="{FF2B5EF4-FFF2-40B4-BE49-F238E27FC236}">
-                <a16:creationId xmlns:a16="http://schemas.microsoft.com/office/drawing/2014/main" id="{3CC8D2E1-1A8E-4EE1-A73A-DD8DEB54FB9B}"/>
+                <a16:creationId xmlns:a16="http://schemas.microsoft.com/office/drawing/2014/main" id="{9F94352A-9825-4692-9AEC-FB6E1012AB5C}"/>
               </a:ext>
             </a:extLst>
           </p:cNvPr>
@@ -8899,19 +8899,115 @@
             <p:ph idx="1"/>
           </p:nvPr>
         </p:nvSpPr>
-        <p:spPr/>
+        <p:spPr>
+          <a:xfrm>
+            <a:off x="700635" y="1771651"/>
+            <a:ext cx="10691265" cy="4157564"/>
+          </a:xfrm>
+        </p:spPr>
         <p:txBody>
           <a:bodyPr/>
           <a:lstStyle/>
           <a:p>
-            <a:endParaRPr kumimoji="1" lang="ja-JP" altLang="en-US"/>
+            <a:pPr>
+              <a:spcAft>
+                <a:spcPts val="600"/>
+              </a:spcAft>
+            </a:pPr>
+            <a:r>
+              <a:rPr lang="ja-JP" altLang="en-US" dirty="0"/>
+              <a:t>藤尾 熙彦「発熱中、、」</a:t>
+            </a:r>
+            <a:endParaRPr lang="en-US" altLang="ja-JP" dirty="0"/>
+          </a:p>
+          <a:p>
+            <a:pPr>
+              <a:spcAft>
+                <a:spcPts val="600"/>
+              </a:spcAft>
+            </a:pPr>
+            <a:r>
+              <a:rPr lang="ja-JP" altLang="en-US" dirty="0"/>
+              <a:t>ブイ リエン チュアン</a:t>
+            </a:r>
+            <a:endParaRPr lang="en-US" altLang="ja-JP" dirty="0"/>
+          </a:p>
+          <a:p>
+            <a:pPr marL="0" indent="0">
+              <a:spcAft>
+                <a:spcPts val="600"/>
+              </a:spcAft>
+              <a:buNone/>
+            </a:pPr>
+            <a:r>
+              <a:rPr lang="en-US" altLang="ja-JP" dirty="0"/>
+              <a:t>	</a:t>
+            </a:r>
+            <a:r>
+              <a:rPr lang="ja-JP" altLang="en-US" dirty="0"/>
+              <a:t>「簡単な機能だと思ったけど、プログラミングが複雑だった」</a:t>
+            </a:r>
+            <a:endParaRPr lang="en-US" altLang="ja-JP" dirty="0"/>
+          </a:p>
+          <a:p>
+            <a:pPr>
+              <a:spcAft>
+                <a:spcPts val="600"/>
+              </a:spcAft>
+            </a:pPr>
+            <a:r>
+              <a:rPr lang="ja-JP" altLang="en-US" dirty="0"/>
+              <a:t>髙田 真之介</a:t>
+            </a:r>
+            <a:endParaRPr lang="en-US" altLang="ja-JP" dirty="0"/>
+          </a:p>
+          <a:p>
+            <a:pPr marL="0" indent="0">
+              <a:spcAft>
+                <a:spcPts val="600"/>
+              </a:spcAft>
+              <a:buNone/>
+            </a:pPr>
+            <a:r>
+              <a:rPr lang="en-US" altLang="ja-JP" dirty="0"/>
+              <a:t>	</a:t>
+            </a:r>
+            <a:r>
+              <a:rPr lang="ja-JP" altLang="en-US" dirty="0"/>
+              <a:t>「集計機能を担当して、さらにプログラミング技術を身につけたいと思った」</a:t>
+            </a:r>
+            <a:endParaRPr kumimoji="1" lang="en-US" altLang="ja-JP" dirty="0"/>
+          </a:p>
+          <a:p>
+            <a:pPr>
+              <a:spcAft>
+                <a:spcPts val="600"/>
+              </a:spcAft>
+            </a:pPr>
+            <a:r>
+              <a:rPr lang="ja-JP" altLang="en-US" dirty="0"/>
+              <a:t>佐々倉 皆「初心者でデータベースを扱うのが難しかった！」</a:t>
+            </a:r>
+            <a:endParaRPr lang="en-US" altLang="ja-JP" dirty="0"/>
+          </a:p>
+          <a:p>
+            <a:pPr>
+              <a:spcAft>
+                <a:spcPts val="600"/>
+              </a:spcAft>
+            </a:pPr>
+            <a:r>
+              <a:rPr lang="ja-JP" altLang="en-US" dirty="0"/>
+              <a:t>櫻庭 舞花「リーダー大変だった！」</a:t>
+            </a:r>
+            <a:endParaRPr kumimoji="1" lang="ja-JP" altLang="en-US" dirty="0"/>
           </a:p>
         </p:txBody>
       </p:sp>
     </p:spTree>
     <p:extLst>
       <p:ext uri="{BB962C8B-B14F-4D97-AF65-F5344CB8AC3E}">
-        <p14:creationId xmlns:p14="http://schemas.microsoft.com/office/powerpoint/2010/main" val="550954588"/>
+        <p14:creationId xmlns:p14="http://schemas.microsoft.com/office/powerpoint/2010/main" val="748447990"/>
       </p:ext>
     </p:extLst>
   </p:cSld>
@@ -10678,7 +10774,7 @@
             </a:r>
             <a:r>
               <a:rPr kumimoji="1" lang="en-US" altLang="ja-JP" sz="2400" dirty="0"/>
-              <a:t>4</a:t>
+              <a:t>3</a:t>
             </a:r>
             <a:r>
               <a:rPr kumimoji="1" lang="ja-JP" altLang="en-US" sz="2400" dirty="0"/>
@@ -10697,7 +10793,7 @@
             </a:r>
             <a:r>
               <a:rPr kumimoji="1" lang="en-US" altLang="ja-JP" sz="2000" dirty="0"/>
-              <a:t>	</a:t>
+              <a:t>		</a:t>
             </a:r>
             <a:r>
               <a:rPr kumimoji="1" lang="ja-JP" altLang="en-US" sz="2000" dirty="0"/>
@@ -10712,15 +10808,15 @@
             </a:pPr>
             <a:r>
               <a:rPr kumimoji="1" lang="ja-JP" altLang="en-US" sz="2000" dirty="0"/>
-              <a:t>過去の予定の入っていない日</a:t>
+              <a:t>未来の予定の入っている日</a:t>
             </a:r>
             <a:r>
               <a:rPr kumimoji="1" lang="en-US" altLang="ja-JP" sz="2000" dirty="0"/>
-              <a:t>	</a:t>
+              <a:t>		</a:t>
             </a:r>
             <a:r>
               <a:rPr kumimoji="1" lang="ja-JP" altLang="en-US" sz="2000" dirty="0"/>
-              <a:t>→予定追加画面</a:t>
+              <a:t>→予定編集画面</a:t>
             </a:r>
             <a:endParaRPr kumimoji="1" lang="en-US" altLang="ja-JP" sz="2000" dirty="0"/>
           </a:p>
@@ -10731,26 +10827,7 @@
             </a:pPr>
             <a:r>
               <a:rPr kumimoji="1" lang="ja-JP" altLang="en-US" sz="2000" dirty="0"/>
-              <a:t>未来の予定の入っている日</a:t>
-            </a:r>
-            <a:r>
-              <a:rPr kumimoji="1" lang="en-US" altLang="ja-JP" sz="2000" dirty="0"/>
-              <a:t>	</a:t>
-            </a:r>
-            <a:r>
-              <a:rPr kumimoji="1" lang="ja-JP" altLang="en-US" sz="2000" dirty="0"/>
-              <a:t>→予定編集画面</a:t>
-            </a:r>
-            <a:endParaRPr kumimoji="1" lang="en-US" altLang="ja-JP" sz="2000" dirty="0"/>
-          </a:p>
-          <a:p>
-            <a:pPr marL="800100" lvl="1" indent="-342900">
-              <a:buFont typeface="+mj-lt"/>
-              <a:buAutoNum type="arabicPeriod"/>
-            </a:pPr>
-            <a:r>
-              <a:rPr kumimoji="1" lang="ja-JP" altLang="en-US" sz="2000" dirty="0"/>
-              <a:t>未来の予定の入っていない日</a:t>
+              <a:t>過去・未来の予定の入っていない日</a:t>
             </a:r>
             <a:r>
               <a:rPr kumimoji="1" lang="en-US" altLang="ja-JP" sz="2000" dirty="0"/>
@@ -12706,7 +12783,7 @@
           <a:p>
             <a:r>
               <a:rPr kumimoji="1" lang="ja-JP" altLang="en-US" sz="2400" dirty="0"/>
-              <a:t>お酒に対する体質とその日のコンデションを登録可能</a:t>
+              <a:t>お酒に対する体質とその日のコンディションを登録可能</a:t>
             </a:r>
           </a:p>
         </p:txBody>
